--- a/T-Mobile one.pptx
+++ b/T-Mobile one.pptx
@@ -8,6 +8,10 @@
     <p:sldId id="256" r:id="rId2"/>
     <p:sldId id="257" r:id="rId3"/>
     <p:sldId id="258" r:id="rId4"/>
+    <p:sldId id="259" r:id="rId5"/>
+    <p:sldId id="260" r:id="rId6"/>
+    <p:sldId id="261" r:id="rId7"/>
+    <p:sldId id="262" r:id="rId8"/>
   </p:sldIdLst>
   <p:sldSz cx="12192000" cy="6858000"/>
   <p:notesSz cx="6858000" cy="9144000"/>
@@ -107,6 +111,2870 @@
     </a:lvl9pPr>
   </p:defaultTextStyle>
 </p:presentation>
+</file>
+
+<file path=ppt/diagrams/colors1.xml><?xml version="1.0" encoding="utf-8"?>
+<dgm:colorsDef xmlns:dgm="http://schemas.openxmlformats.org/drawingml/2006/diagram" xmlns:a="http://schemas.openxmlformats.org/drawingml/2006/main" uniqueId="urn:microsoft.com/office/officeart/2005/8/colors/accent1_2">
+  <dgm:title val=""/>
+  <dgm:desc val=""/>
+  <dgm:catLst>
+    <dgm:cat type="accent1" pri="11200"/>
+  </dgm:catLst>
+  <dgm:styleLbl name="node0">
+    <dgm:fillClrLst meth="repeat">
+      <a:schemeClr val="accent1"/>
+    </dgm:fillClrLst>
+    <dgm:linClrLst meth="repeat">
+      <a:schemeClr val="lt1"/>
+    </dgm:linClrLst>
+    <dgm:effectClrLst/>
+    <dgm:txLinClrLst/>
+    <dgm:txFillClrLst/>
+    <dgm:txEffectClrLst/>
+  </dgm:styleLbl>
+  <dgm:styleLbl name="alignNode1">
+    <dgm:fillClrLst meth="repeat">
+      <a:schemeClr val="accent1"/>
+    </dgm:fillClrLst>
+    <dgm:linClrLst meth="repeat">
+      <a:schemeClr val="accent1"/>
+    </dgm:linClrLst>
+    <dgm:effectClrLst/>
+    <dgm:txLinClrLst/>
+    <dgm:txFillClrLst/>
+    <dgm:txEffectClrLst/>
+  </dgm:styleLbl>
+  <dgm:styleLbl name="node1">
+    <dgm:fillClrLst meth="repeat">
+      <a:schemeClr val="accent1"/>
+    </dgm:fillClrLst>
+    <dgm:linClrLst meth="repeat">
+      <a:schemeClr val="lt1"/>
+    </dgm:linClrLst>
+    <dgm:effectClrLst/>
+    <dgm:txLinClrLst/>
+    <dgm:txFillClrLst/>
+    <dgm:txEffectClrLst/>
+  </dgm:styleLbl>
+  <dgm:styleLbl name="lnNode1">
+    <dgm:fillClrLst meth="repeat">
+      <a:schemeClr val="accent1"/>
+    </dgm:fillClrLst>
+    <dgm:linClrLst meth="repeat">
+      <a:schemeClr val="lt1"/>
+    </dgm:linClrLst>
+    <dgm:effectClrLst/>
+    <dgm:txLinClrLst/>
+    <dgm:txFillClrLst/>
+    <dgm:txEffectClrLst/>
+  </dgm:styleLbl>
+  <dgm:styleLbl name="vennNode1">
+    <dgm:fillClrLst meth="repeat">
+      <a:schemeClr val="accent1">
+        <a:alpha val="50000"/>
+      </a:schemeClr>
+    </dgm:fillClrLst>
+    <dgm:linClrLst meth="repeat">
+      <a:schemeClr val="lt1"/>
+    </dgm:linClrLst>
+    <dgm:effectClrLst/>
+    <dgm:txLinClrLst/>
+    <dgm:txFillClrLst/>
+    <dgm:txEffectClrLst/>
+  </dgm:styleLbl>
+  <dgm:styleLbl name="node2">
+    <dgm:fillClrLst meth="repeat">
+      <a:schemeClr val="accent1"/>
+    </dgm:fillClrLst>
+    <dgm:linClrLst meth="repeat">
+      <a:schemeClr val="lt1"/>
+    </dgm:linClrLst>
+    <dgm:effectClrLst/>
+    <dgm:txLinClrLst/>
+    <dgm:txFillClrLst/>
+    <dgm:txEffectClrLst/>
+  </dgm:styleLbl>
+  <dgm:styleLbl name="node3">
+    <dgm:fillClrLst meth="repeat">
+      <a:schemeClr val="accent1"/>
+    </dgm:fillClrLst>
+    <dgm:linClrLst meth="repeat">
+      <a:schemeClr val="lt1"/>
+    </dgm:linClrLst>
+    <dgm:effectClrLst/>
+    <dgm:txLinClrLst/>
+    <dgm:txFillClrLst/>
+    <dgm:txEffectClrLst/>
+  </dgm:styleLbl>
+  <dgm:styleLbl name="node4">
+    <dgm:fillClrLst meth="repeat">
+      <a:schemeClr val="accent1"/>
+    </dgm:fillClrLst>
+    <dgm:linClrLst meth="repeat">
+      <a:schemeClr val="lt1"/>
+    </dgm:linClrLst>
+    <dgm:effectClrLst/>
+    <dgm:txLinClrLst/>
+    <dgm:txFillClrLst/>
+    <dgm:txEffectClrLst/>
+  </dgm:styleLbl>
+  <dgm:styleLbl name="fgImgPlace1">
+    <dgm:fillClrLst meth="repeat">
+      <a:schemeClr val="accent1">
+        <a:tint val="50000"/>
+      </a:schemeClr>
+    </dgm:fillClrLst>
+    <dgm:linClrLst meth="repeat">
+      <a:schemeClr val="lt1"/>
+    </dgm:linClrLst>
+    <dgm:effectClrLst/>
+    <dgm:txLinClrLst/>
+    <dgm:txFillClrLst meth="repeat">
+      <a:schemeClr val="lt1"/>
+    </dgm:txFillClrLst>
+    <dgm:txEffectClrLst/>
+  </dgm:styleLbl>
+  <dgm:styleLbl name="alignImgPlace1">
+    <dgm:fillClrLst meth="repeat">
+      <a:schemeClr val="accent1">
+        <a:tint val="50000"/>
+      </a:schemeClr>
+    </dgm:fillClrLst>
+    <dgm:linClrLst meth="repeat">
+      <a:schemeClr val="lt1"/>
+    </dgm:linClrLst>
+    <dgm:effectClrLst/>
+    <dgm:txLinClrLst/>
+    <dgm:txFillClrLst meth="repeat">
+      <a:schemeClr val="lt1"/>
+    </dgm:txFillClrLst>
+    <dgm:txEffectClrLst/>
+  </dgm:styleLbl>
+  <dgm:styleLbl name="bgImgPlace1">
+    <dgm:fillClrLst meth="repeat">
+      <a:schemeClr val="accent1">
+        <a:tint val="50000"/>
+      </a:schemeClr>
+    </dgm:fillClrLst>
+    <dgm:linClrLst meth="repeat">
+      <a:schemeClr val="lt1"/>
+    </dgm:linClrLst>
+    <dgm:effectClrLst/>
+    <dgm:txLinClrLst/>
+    <dgm:txFillClrLst meth="repeat">
+      <a:schemeClr val="lt1"/>
+    </dgm:txFillClrLst>
+    <dgm:txEffectClrLst/>
+  </dgm:styleLbl>
+  <dgm:styleLbl name="sibTrans2D1">
+    <dgm:fillClrLst meth="repeat">
+      <a:schemeClr val="accent1">
+        <a:tint val="60000"/>
+      </a:schemeClr>
+    </dgm:fillClrLst>
+    <dgm:linClrLst meth="repeat">
+      <a:schemeClr val="accent1">
+        <a:tint val="60000"/>
+      </a:schemeClr>
+    </dgm:linClrLst>
+    <dgm:effectClrLst/>
+    <dgm:txLinClrLst/>
+    <dgm:txFillClrLst/>
+    <dgm:txEffectClrLst/>
+  </dgm:styleLbl>
+  <dgm:styleLbl name="fgSibTrans2D1">
+    <dgm:fillClrLst meth="repeat">
+      <a:schemeClr val="accent1">
+        <a:tint val="60000"/>
+      </a:schemeClr>
+    </dgm:fillClrLst>
+    <dgm:linClrLst meth="repeat">
+      <a:schemeClr val="accent1">
+        <a:tint val="60000"/>
+      </a:schemeClr>
+    </dgm:linClrLst>
+    <dgm:effectClrLst/>
+    <dgm:txLinClrLst/>
+    <dgm:txFillClrLst/>
+    <dgm:txEffectClrLst/>
+  </dgm:styleLbl>
+  <dgm:styleLbl name="bgSibTrans2D1">
+    <dgm:fillClrLst meth="repeat">
+      <a:schemeClr val="accent1">
+        <a:tint val="60000"/>
+      </a:schemeClr>
+    </dgm:fillClrLst>
+    <dgm:linClrLst meth="repeat">
+      <a:schemeClr val="accent1">
+        <a:tint val="60000"/>
+      </a:schemeClr>
+    </dgm:linClrLst>
+    <dgm:effectClrLst/>
+    <dgm:txLinClrLst/>
+    <dgm:txFillClrLst/>
+    <dgm:txEffectClrLst/>
+  </dgm:styleLbl>
+  <dgm:styleLbl name="sibTrans1D1">
+    <dgm:fillClrLst meth="repeat">
+      <a:schemeClr val="accent1"/>
+    </dgm:fillClrLst>
+    <dgm:linClrLst meth="repeat">
+      <a:schemeClr val="accent1"/>
+    </dgm:linClrLst>
+    <dgm:effectClrLst/>
+    <dgm:txLinClrLst/>
+    <dgm:txFillClrLst meth="repeat">
+      <a:schemeClr val="tx1"/>
+    </dgm:txFillClrLst>
+    <dgm:txEffectClrLst/>
+  </dgm:styleLbl>
+  <dgm:styleLbl name="callout">
+    <dgm:fillClrLst meth="repeat">
+      <a:schemeClr val="accent1"/>
+    </dgm:fillClrLst>
+    <dgm:linClrLst meth="repeat">
+      <a:schemeClr val="accent1">
+        <a:tint val="50000"/>
+      </a:schemeClr>
+    </dgm:linClrLst>
+    <dgm:effectClrLst/>
+    <dgm:txLinClrLst/>
+    <dgm:txFillClrLst meth="repeat">
+      <a:schemeClr val="tx1"/>
+    </dgm:txFillClrLst>
+    <dgm:txEffectClrLst/>
+  </dgm:styleLbl>
+  <dgm:styleLbl name="asst0">
+    <dgm:fillClrLst meth="repeat">
+      <a:schemeClr val="accent1"/>
+    </dgm:fillClrLst>
+    <dgm:linClrLst meth="repeat">
+      <a:schemeClr val="lt1"/>
+    </dgm:linClrLst>
+    <dgm:effectClrLst/>
+    <dgm:txLinClrLst/>
+    <dgm:txFillClrLst/>
+    <dgm:txEffectClrLst/>
+  </dgm:styleLbl>
+  <dgm:styleLbl name="asst1">
+    <dgm:fillClrLst meth="repeat">
+      <a:schemeClr val="accent1"/>
+    </dgm:fillClrLst>
+    <dgm:linClrLst meth="repeat">
+      <a:schemeClr val="lt1"/>
+    </dgm:linClrLst>
+    <dgm:effectClrLst/>
+    <dgm:txLinClrLst/>
+    <dgm:txFillClrLst/>
+    <dgm:txEffectClrLst/>
+  </dgm:styleLbl>
+  <dgm:styleLbl name="asst2">
+    <dgm:fillClrLst meth="repeat">
+      <a:schemeClr val="accent1"/>
+    </dgm:fillClrLst>
+    <dgm:linClrLst meth="repeat">
+      <a:schemeClr val="lt1"/>
+    </dgm:linClrLst>
+    <dgm:effectClrLst/>
+    <dgm:txLinClrLst/>
+    <dgm:txFillClrLst/>
+    <dgm:txEffectClrLst/>
+  </dgm:styleLbl>
+  <dgm:styleLbl name="asst3">
+    <dgm:fillClrLst meth="repeat">
+      <a:schemeClr val="accent1"/>
+    </dgm:fillClrLst>
+    <dgm:linClrLst meth="repeat">
+      <a:schemeClr val="lt1"/>
+    </dgm:linClrLst>
+    <dgm:effectClrLst/>
+    <dgm:txLinClrLst/>
+    <dgm:txFillClrLst/>
+    <dgm:txEffectClrLst/>
+  </dgm:styleLbl>
+  <dgm:styleLbl name="asst4">
+    <dgm:fillClrLst meth="repeat">
+      <a:schemeClr val="accent1"/>
+    </dgm:fillClrLst>
+    <dgm:linClrLst meth="repeat">
+      <a:schemeClr val="lt1"/>
+    </dgm:linClrLst>
+    <dgm:effectClrLst/>
+    <dgm:txLinClrLst/>
+    <dgm:txFillClrLst/>
+    <dgm:txEffectClrLst/>
+  </dgm:styleLbl>
+  <dgm:styleLbl name="parChTrans2D1">
+    <dgm:fillClrLst meth="repeat">
+      <a:schemeClr val="accent1">
+        <a:tint val="60000"/>
+      </a:schemeClr>
+    </dgm:fillClrLst>
+    <dgm:linClrLst meth="repeat">
+      <a:schemeClr val="accent1">
+        <a:tint val="60000"/>
+      </a:schemeClr>
+    </dgm:linClrLst>
+    <dgm:effectClrLst/>
+    <dgm:txLinClrLst/>
+    <dgm:txFillClrLst meth="repeat">
+      <a:schemeClr val="lt1"/>
+    </dgm:txFillClrLst>
+    <dgm:txEffectClrLst/>
+  </dgm:styleLbl>
+  <dgm:styleLbl name="parChTrans2D2">
+    <dgm:fillClrLst meth="repeat">
+      <a:schemeClr val="accent1"/>
+    </dgm:fillClrLst>
+    <dgm:linClrLst meth="repeat">
+      <a:schemeClr val="accent1"/>
+    </dgm:linClrLst>
+    <dgm:effectClrLst/>
+    <dgm:txLinClrLst/>
+    <dgm:txFillClrLst meth="repeat">
+      <a:schemeClr val="lt1"/>
+    </dgm:txFillClrLst>
+    <dgm:txEffectClrLst/>
+  </dgm:styleLbl>
+  <dgm:styleLbl name="parChTrans2D3">
+    <dgm:fillClrLst meth="repeat">
+      <a:schemeClr val="accent1"/>
+    </dgm:fillClrLst>
+    <dgm:linClrLst meth="repeat">
+      <a:schemeClr val="accent1"/>
+    </dgm:linClrLst>
+    <dgm:effectClrLst/>
+    <dgm:txLinClrLst/>
+    <dgm:txFillClrLst meth="repeat">
+      <a:schemeClr val="lt1"/>
+    </dgm:txFillClrLst>
+    <dgm:txEffectClrLst/>
+  </dgm:styleLbl>
+  <dgm:styleLbl name="parChTrans2D4">
+    <dgm:fillClrLst meth="repeat">
+      <a:schemeClr val="accent1"/>
+    </dgm:fillClrLst>
+    <dgm:linClrLst meth="repeat">
+      <a:schemeClr val="accent1"/>
+    </dgm:linClrLst>
+    <dgm:effectClrLst/>
+    <dgm:txLinClrLst/>
+    <dgm:txFillClrLst meth="repeat">
+      <a:schemeClr val="lt1"/>
+    </dgm:txFillClrLst>
+    <dgm:txEffectClrLst/>
+  </dgm:styleLbl>
+  <dgm:styleLbl name="parChTrans1D1">
+    <dgm:fillClrLst meth="repeat">
+      <a:schemeClr val="accent1"/>
+    </dgm:fillClrLst>
+    <dgm:linClrLst meth="repeat">
+      <a:schemeClr val="accent1">
+        <a:shade val="60000"/>
+      </a:schemeClr>
+    </dgm:linClrLst>
+    <dgm:effectClrLst/>
+    <dgm:txLinClrLst/>
+    <dgm:txFillClrLst meth="repeat">
+      <a:schemeClr val="tx1"/>
+    </dgm:txFillClrLst>
+    <dgm:txEffectClrLst/>
+  </dgm:styleLbl>
+  <dgm:styleLbl name="parChTrans1D2">
+    <dgm:fillClrLst meth="repeat">
+      <a:schemeClr val="accent1"/>
+    </dgm:fillClrLst>
+    <dgm:linClrLst meth="repeat">
+      <a:schemeClr val="accent1">
+        <a:shade val="60000"/>
+      </a:schemeClr>
+    </dgm:linClrLst>
+    <dgm:effectClrLst/>
+    <dgm:txLinClrLst/>
+    <dgm:txFillClrLst meth="repeat">
+      <a:schemeClr val="tx1"/>
+    </dgm:txFillClrLst>
+    <dgm:txEffectClrLst/>
+  </dgm:styleLbl>
+  <dgm:styleLbl name="parChTrans1D3">
+    <dgm:fillClrLst meth="repeat">
+      <a:schemeClr val="accent1"/>
+    </dgm:fillClrLst>
+    <dgm:linClrLst meth="repeat">
+      <a:schemeClr val="accent1">
+        <a:shade val="80000"/>
+      </a:schemeClr>
+    </dgm:linClrLst>
+    <dgm:effectClrLst/>
+    <dgm:txLinClrLst/>
+    <dgm:txFillClrLst meth="repeat">
+      <a:schemeClr val="tx1"/>
+    </dgm:txFillClrLst>
+    <dgm:txEffectClrLst/>
+  </dgm:styleLbl>
+  <dgm:styleLbl name="parChTrans1D4">
+    <dgm:fillClrLst meth="repeat">
+      <a:schemeClr val="accent1"/>
+    </dgm:fillClrLst>
+    <dgm:linClrLst meth="repeat">
+      <a:schemeClr val="accent1">
+        <a:shade val="80000"/>
+      </a:schemeClr>
+    </dgm:linClrLst>
+    <dgm:effectClrLst/>
+    <dgm:txLinClrLst/>
+    <dgm:txFillClrLst meth="repeat">
+      <a:schemeClr val="tx1"/>
+    </dgm:txFillClrLst>
+    <dgm:txEffectClrLst/>
+  </dgm:styleLbl>
+  <dgm:styleLbl name="fgAcc1">
+    <dgm:fillClrLst meth="repeat">
+      <a:schemeClr val="lt1">
+        <a:alpha val="90000"/>
+      </a:schemeClr>
+    </dgm:fillClrLst>
+    <dgm:linClrLst meth="repeat">
+      <a:schemeClr val="accent1"/>
+    </dgm:linClrLst>
+    <dgm:effectClrLst/>
+    <dgm:txLinClrLst/>
+    <dgm:txFillClrLst meth="repeat">
+      <a:schemeClr val="dk1"/>
+    </dgm:txFillClrLst>
+    <dgm:txEffectClrLst/>
+  </dgm:styleLbl>
+  <dgm:styleLbl name="conFgAcc1">
+    <dgm:fillClrLst meth="repeat">
+      <a:schemeClr val="lt1">
+        <a:alpha val="90000"/>
+      </a:schemeClr>
+    </dgm:fillClrLst>
+    <dgm:linClrLst meth="repeat">
+      <a:schemeClr val="accent1"/>
+    </dgm:linClrLst>
+    <dgm:effectClrLst/>
+    <dgm:txLinClrLst/>
+    <dgm:txFillClrLst meth="repeat">
+      <a:schemeClr val="dk1"/>
+    </dgm:txFillClrLst>
+    <dgm:txEffectClrLst/>
+  </dgm:styleLbl>
+  <dgm:styleLbl name="alignAcc1">
+    <dgm:fillClrLst meth="repeat">
+      <a:schemeClr val="lt1">
+        <a:alpha val="90000"/>
+      </a:schemeClr>
+    </dgm:fillClrLst>
+    <dgm:linClrLst meth="repeat">
+      <a:schemeClr val="accent1"/>
+    </dgm:linClrLst>
+    <dgm:effectClrLst/>
+    <dgm:txLinClrLst/>
+    <dgm:txFillClrLst meth="repeat">
+      <a:schemeClr val="dk1"/>
+    </dgm:txFillClrLst>
+    <dgm:txEffectClrLst/>
+  </dgm:styleLbl>
+  <dgm:styleLbl name="trAlignAcc1">
+    <dgm:fillClrLst meth="repeat">
+      <a:schemeClr val="lt1">
+        <a:alpha val="40000"/>
+      </a:schemeClr>
+    </dgm:fillClrLst>
+    <dgm:linClrLst meth="repeat">
+      <a:schemeClr val="accent1"/>
+    </dgm:linClrLst>
+    <dgm:effectClrLst/>
+    <dgm:txLinClrLst/>
+    <dgm:txFillClrLst meth="repeat">
+      <a:schemeClr val="dk1"/>
+    </dgm:txFillClrLst>
+    <dgm:txEffectClrLst/>
+  </dgm:styleLbl>
+  <dgm:styleLbl name="bgAcc1">
+    <dgm:fillClrLst meth="repeat">
+      <a:schemeClr val="lt1">
+        <a:alpha val="90000"/>
+      </a:schemeClr>
+    </dgm:fillClrLst>
+    <dgm:linClrLst meth="repeat">
+      <a:schemeClr val="accent1"/>
+    </dgm:linClrLst>
+    <dgm:effectClrLst/>
+    <dgm:txLinClrLst/>
+    <dgm:txFillClrLst meth="repeat">
+      <a:schemeClr val="dk1"/>
+    </dgm:txFillClrLst>
+    <dgm:txEffectClrLst/>
+  </dgm:styleLbl>
+  <dgm:styleLbl name="solidFgAcc1">
+    <dgm:fillClrLst meth="repeat">
+      <a:schemeClr val="lt1"/>
+    </dgm:fillClrLst>
+    <dgm:linClrLst meth="repeat">
+      <a:schemeClr val="accent1"/>
+    </dgm:linClrLst>
+    <dgm:effectClrLst/>
+    <dgm:txLinClrLst/>
+    <dgm:txFillClrLst meth="repeat">
+      <a:schemeClr val="dk1"/>
+    </dgm:txFillClrLst>
+    <dgm:txEffectClrLst/>
+  </dgm:styleLbl>
+  <dgm:styleLbl name="solidAlignAcc1">
+    <dgm:fillClrLst meth="repeat">
+      <a:schemeClr val="lt1"/>
+    </dgm:fillClrLst>
+    <dgm:linClrLst meth="repeat">
+      <a:schemeClr val="accent1"/>
+    </dgm:linClrLst>
+    <dgm:effectClrLst/>
+    <dgm:txLinClrLst/>
+    <dgm:txFillClrLst meth="repeat">
+      <a:schemeClr val="dk1"/>
+    </dgm:txFillClrLst>
+    <dgm:txEffectClrLst/>
+  </dgm:styleLbl>
+  <dgm:styleLbl name="solidBgAcc1">
+    <dgm:fillClrLst meth="repeat">
+      <a:schemeClr val="lt1"/>
+    </dgm:fillClrLst>
+    <dgm:linClrLst meth="repeat">
+      <a:schemeClr val="accent1"/>
+    </dgm:linClrLst>
+    <dgm:effectClrLst/>
+    <dgm:txLinClrLst/>
+    <dgm:txFillClrLst meth="repeat">
+      <a:schemeClr val="dk1"/>
+    </dgm:txFillClrLst>
+    <dgm:txEffectClrLst/>
+  </dgm:styleLbl>
+  <dgm:styleLbl name="fgAccFollowNode1">
+    <dgm:fillClrLst meth="repeat">
+      <a:schemeClr val="accent1">
+        <a:alpha val="90000"/>
+        <a:tint val="40000"/>
+      </a:schemeClr>
+    </dgm:fillClrLst>
+    <dgm:linClrLst meth="repeat">
+      <a:schemeClr val="accent1">
+        <a:alpha val="90000"/>
+        <a:tint val="40000"/>
+      </a:schemeClr>
+    </dgm:linClrLst>
+    <dgm:effectClrLst/>
+    <dgm:txLinClrLst/>
+    <dgm:txFillClrLst meth="repeat">
+      <a:schemeClr val="dk1"/>
+    </dgm:txFillClrLst>
+    <dgm:txEffectClrLst/>
+  </dgm:styleLbl>
+  <dgm:styleLbl name="alignAccFollowNode1">
+    <dgm:fillClrLst meth="repeat">
+      <a:schemeClr val="accent1">
+        <a:alpha val="90000"/>
+        <a:tint val="40000"/>
+      </a:schemeClr>
+    </dgm:fillClrLst>
+    <dgm:linClrLst meth="repeat">
+      <a:schemeClr val="accent1">
+        <a:alpha val="90000"/>
+        <a:tint val="40000"/>
+      </a:schemeClr>
+    </dgm:linClrLst>
+    <dgm:effectClrLst/>
+    <dgm:txLinClrLst/>
+    <dgm:txFillClrLst meth="repeat">
+      <a:schemeClr val="dk1"/>
+    </dgm:txFillClrLst>
+    <dgm:txEffectClrLst/>
+  </dgm:styleLbl>
+  <dgm:styleLbl name="bgAccFollowNode1">
+    <dgm:fillClrLst meth="repeat">
+      <a:schemeClr val="accent1">
+        <a:alpha val="90000"/>
+        <a:tint val="40000"/>
+      </a:schemeClr>
+    </dgm:fillClrLst>
+    <dgm:linClrLst meth="repeat">
+      <a:schemeClr val="accent1">
+        <a:alpha val="90000"/>
+        <a:tint val="40000"/>
+      </a:schemeClr>
+    </dgm:linClrLst>
+    <dgm:effectClrLst/>
+    <dgm:txLinClrLst/>
+    <dgm:txFillClrLst meth="repeat">
+      <a:schemeClr val="dk1"/>
+    </dgm:txFillClrLst>
+    <dgm:txEffectClrLst/>
+  </dgm:styleLbl>
+  <dgm:styleLbl name="fgAcc0">
+    <dgm:fillClrLst meth="repeat">
+      <a:schemeClr val="lt1">
+        <a:alpha val="90000"/>
+      </a:schemeClr>
+    </dgm:fillClrLst>
+    <dgm:linClrLst meth="repeat">
+      <a:schemeClr val="accent1"/>
+    </dgm:linClrLst>
+    <dgm:effectClrLst/>
+    <dgm:txLinClrLst/>
+    <dgm:txFillClrLst meth="repeat">
+      <a:schemeClr val="dk1"/>
+    </dgm:txFillClrLst>
+    <dgm:txEffectClrLst/>
+  </dgm:styleLbl>
+  <dgm:styleLbl name="fgAcc2">
+    <dgm:fillClrLst meth="repeat">
+      <a:schemeClr val="lt1">
+        <a:alpha val="90000"/>
+      </a:schemeClr>
+    </dgm:fillClrLst>
+    <dgm:linClrLst meth="repeat">
+      <a:schemeClr val="accent1"/>
+    </dgm:linClrLst>
+    <dgm:effectClrLst/>
+    <dgm:txLinClrLst/>
+    <dgm:txFillClrLst meth="repeat">
+      <a:schemeClr val="dk1"/>
+    </dgm:txFillClrLst>
+    <dgm:txEffectClrLst/>
+  </dgm:styleLbl>
+  <dgm:styleLbl name="fgAcc3">
+    <dgm:fillClrLst meth="repeat">
+      <a:schemeClr val="lt1">
+        <a:alpha val="90000"/>
+      </a:schemeClr>
+    </dgm:fillClrLst>
+    <dgm:linClrLst meth="repeat">
+      <a:schemeClr val="accent1"/>
+    </dgm:linClrLst>
+    <dgm:effectClrLst/>
+    <dgm:txLinClrLst/>
+    <dgm:txFillClrLst meth="repeat">
+      <a:schemeClr val="dk1"/>
+    </dgm:txFillClrLst>
+    <dgm:txEffectClrLst/>
+  </dgm:styleLbl>
+  <dgm:styleLbl name="fgAcc4">
+    <dgm:fillClrLst meth="repeat">
+      <a:schemeClr val="lt1">
+        <a:alpha val="90000"/>
+      </a:schemeClr>
+    </dgm:fillClrLst>
+    <dgm:linClrLst meth="repeat">
+      <a:schemeClr val="accent1"/>
+    </dgm:linClrLst>
+    <dgm:effectClrLst/>
+    <dgm:txLinClrLst/>
+    <dgm:txFillClrLst meth="repeat">
+      <a:schemeClr val="dk1"/>
+    </dgm:txFillClrLst>
+    <dgm:txEffectClrLst/>
+  </dgm:styleLbl>
+  <dgm:styleLbl name="bgShp">
+    <dgm:fillClrLst meth="repeat">
+      <a:schemeClr val="accent1">
+        <a:tint val="40000"/>
+      </a:schemeClr>
+    </dgm:fillClrLst>
+    <dgm:linClrLst meth="repeat">
+      <a:schemeClr val="accent1"/>
+    </dgm:linClrLst>
+    <dgm:effectClrLst/>
+    <dgm:txLinClrLst/>
+    <dgm:txFillClrLst meth="repeat">
+      <a:schemeClr val="dk1"/>
+    </dgm:txFillClrLst>
+    <dgm:txEffectClrLst/>
+  </dgm:styleLbl>
+  <dgm:styleLbl name="dkBgShp">
+    <dgm:fillClrLst meth="repeat">
+      <a:schemeClr val="accent1">
+        <a:shade val="80000"/>
+      </a:schemeClr>
+    </dgm:fillClrLst>
+    <dgm:linClrLst meth="repeat">
+      <a:schemeClr val="accent1"/>
+    </dgm:linClrLst>
+    <dgm:effectClrLst/>
+    <dgm:txLinClrLst/>
+    <dgm:txFillClrLst meth="repeat">
+      <a:schemeClr val="lt1"/>
+    </dgm:txFillClrLst>
+    <dgm:txEffectClrLst/>
+  </dgm:styleLbl>
+  <dgm:styleLbl name="trBgShp">
+    <dgm:fillClrLst meth="repeat">
+      <a:schemeClr val="accent1">
+        <a:tint val="50000"/>
+        <a:alpha val="40000"/>
+      </a:schemeClr>
+    </dgm:fillClrLst>
+    <dgm:linClrLst meth="repeat">
+      <a:schemeClr val="accent1"/>
+    </dgm:linClrLst>
+    <dgm:effectClrLst/>
+    <dgm:txLinClrLst/>
+    <dgm:txFillClrLst meth="repeat">
+      <a:schemeClr val="lt1"/>
+    </dgm:txFillClrLst>
+    <dgm:txEffectClrLst/>
+  </dgm:styleLbl>
+  <dgm:styleLbl name="fgShp">
+    <dgm:fillClrLst meth="repeat">
+      <a:schemeClr val="accent1">
+        <a:tint val="60000"/>
+      </a:schemeClr>
+    </dgm:fillClrLst>
+    <dgm:linClrLst meth="repeat">
+      <a:schemeClr val="lt1"/>
+    </dgm:linClrLst>
+    <dgm:effectClrLst/>
+    <dgm:txLinClrLst/>
+    <dgm:txFillClrLst meth="repeat">
+      <a:schemeClr val="dk1"/>
+    </dgm:txFillClrLst>
+    <dgm:txEffectClrLst/>
+  </dgm:styleLbl>
+  <dgm:styleLbl name="revTx">
+    <dgm:fillClrLst meth="repeat">
+      <a:schemeClr val="lt1">
+        <a:alpha val="0"/>
+      </a:schemeClr>
+    </dgm:fillClrLst>
+    <dgm:linClrLst meth="repeat">
+      <a:schemeClr val="dk1">
+        <a:alpha val="0"/>
+      </a:schemeClr>
+    </dgm:linClrLst>
+    <dgm:effectClrLst/>
+    <dgm:txLinClrLst/>
+    <dgm:txFillClrLst meth="repeat">
+      <a:schemeClr val="tx1"/>
+    </dgm:txFillClrLst>
+    <dgm:txEffectClrLst/>
+  </dgm:styleLbl>
+</dgm:colorsDef>
+</file>
+
+<file path=ppt/diagrams/data1.xml><?xml version="1.0" encoding="utf-8"?>
+<dgm:dataModel xmlns:dgm="http://schemas.openxmlformats.org/drawingml/2006/diagram" xmlns:a="http://schemas.openxmlformats.org/drawingml/2006/main">
+  <dgm:ptLst>
+    <dgm:pt modelId="{0B2BEF1A-98B4-48E9-A744-AD8D5470E975}" type="doc">
+      <dgm:prSet loTypeId="urn:microsoft.com/office/officeart/2005/8/layout/hChevron3" loCatId="process" qsTypeId="urn:microsoft.com/office/officeart/2005/8/quickstyle/simple1" qsCatId="simple" csTypeId="urn:microsoft.com/office/officeart/2005/8/colors/accent1_2" csCatId="accent1" phldr="1"/>
+      <dgm:spPr/>
+    </dgm:pt>
+    <dgm:pt modelId="{8F1D1A63-2451-43C5-8DE1-79B93AF85F1B}">
+      <dgm:prSet phldrT="[Text]"/>
+      <dgm:spPr/>
+      <dgm:t>
+        <a:bodyPr/>
+        <a:lstStyle/>
+        <a:p>
+          <a:r>
+            <a:rPr lang="en-US" dirty="0"/>
+            <a:t>Customer calls             T-Mobile</a:t>
+          </a:r>
+        </a:p>
+      </dgm:t>
+    </dgm:pt>
+    <dgm:pt modelId="{41E3FEBF-9ECB-4CEE-A4E7-B3C189811949}" type="parTrans" cxnId="{E9D424A7-9F27-4629-8DF2-6813E99A1329}">
+      <dgm:prSet/>
+      <dgm:spPr/>
+      <dgm:t>
+        <a:bodyPr/>
+        <a:lstStyle/>
+        <a:p>
+          <a:endParaRPr lang="en-US"/>
+        </a:p>
+      </dgm:t>
+    </dgm:pt>
+    <dgm:pt modelId="{1816703C-913C-465E-8EE6-37CA9AE1D993}" type="sibTrans" cxnId="{E9D424A7-9F27-4629-8DF2-6813E99A1329}">
+      <dgm:prSet/>
+      <dgm:spPr/>
+      <dgm:t>
+        <a:bodyPr/>
+        <a:lstStyle/>
+        <a:p>
+          <a:endParaRPr lang="en-US"/>
+        </a:p>
+      </dgm:t>
+    </dgm:pt>
+    <dgm:pt modelId="{7B792048-7869-40A8-8E9A-648648E9A32D}">
+      <dgm:prSet phldrT="[Text]"/>
+      <dgm:spPr/>
+      <dgm:t>
+        <a:bodyPr/>
+        <a:lstStyle/>
+        <a:p>
+          <a:r>
+            <a:rPr lang="en-US" dirty="0"/>
+            <a:t>T-Mobile one answers</a:t>
+          </a:r>
+        </a:p>
+      </dgm:t>
+    </dgm:pt>
+    <dgm:pt modelId="{4DEA15E0-5AFC-4D05-BFE8-0CAFA216BF33}" type="parTrans" cxnId="{2D030B32-81F6-44FC-AD6F-8CE149AD1EB1}">
+      <dgm:prSet/>
+      <dgm:spPr/>
+      <dgm:t>
+        <a:bodyPr/>
+        <a:lstStyle/>
+        <a:p>
+          <a:endParaRPr lang="en-US"/>
+        </a:p>
+      </dgm:t>
+    </dgm:pt>
+    <dgm:pt modelId="{97E2ABFA-2E5B-4949-84BA-A79041A04E91}" type="sibTrans" cxnId="{2D030B32-81F6-44FC-AD6F-8CE149AD1EB1}">
+      <dgm:prSet/>
+      <dgm:spPr/>
+      <dgm:t>
+        <a:bodyPr/>
+        <a:lstStyle/>
+        <a:p>
+          <a:endParaRPr lang="en-US"/>
+        </a:p>
+      </dgm:t>
+    </dgm:pt>
+    <dgm:pt modelId="{28409DDE-56D7-4DF8-96A0-39896107F18D}">
+      <dgm:prSet phldrT="[Text]"/>
+      <dgm:spPr/>
+      <dgm:t>
+        <a:bodyPr/>
+        <a:lstStyle/>
+        <a:p>
+          <a:r>
+            <a:rPr lang="en-US" dirty="0"/>
+            <a:t>Twilio gets data on customer</a:t>
+          </a:r>
+        </a:p>
+      </dgm:t>
+    </dgm:pt>
+    <dgm:pt modelId="{4D41418D-670F-4496-AFD8-36CBBF252B78}" type="parTrans" cxnId="{0D0D99C7-B269-495F-9AA8-4C5FA4F53044}">
+      <dgm:prSet/>
+      <dgm:spPr/>
+      <dgm:t>
+        <a:bodyPr/>
+        <a:lstStyle/>
+        <a:p>
+          <a:endParaRPr lang="en-US"/>
+        </a:p>
+      </dgm:t>
+    </dgm:pt>
+    <dgm:pt modelId="{3280141F-D4B1-4BF9-B450-5FA40909F160}" type="sibTrans" cxnId="{0D0D99C7-B269-495F-9AA8-4C5FA4F53044}">
+      <dgm:prSet/>
+      <dgm:spPr/>
+      <dgm:t>
+        <a:bodyPr/>
+        <a:lstStyle/>
+        <a:p>
+          <a:endParaRPr lang="en-US"/>
+        </a:p>
+      </dgm:t>
+    </dgm:pt>
+    <dgm:pt modelId="{17730755-051D-4F98-BAC7-A73EBC488D30}">
+      <dgm:prSet phldrT="[Text]"/>
+      <dgm:spPr/>
+      <dgm:t>
+        <a:bodyPr/>
+        <a:lstStyle/>
+        <a:p>
+          <a:r>
+            <a:rPr lang="en-US" dirty="0"/>
+            <a:t>Forwarded to Dialogue Flow</a:t>
+          </a:r>
+        </a:p>
+      </dgm:t>
+    </dgm:pt>
+    <dgm:pt modelId="{87DC4CCD-4478-4458-9708-0A0E9F49D4A8}" type="parTrans" cxnId="{6930FC6A-1B21-4244-AEA4-8F125D24359B}">
+      <dgm:prSet/>
+      <dgm:spPr/>
+      <dgm:t>
+        <a:bodyPr/>
+        <a:lstStyle/>
+        <a:p>
+          <a:endParaRPr lang="en-US"/>
+        </a:p>
+      </dgm:t>
+    </dgm:pt>
+    <dgm:pt modelId="{4132D762-52E8-4D4A-8699-19108B98196D}" type="sibTrans" cxnId="{6930FC6A-1B21-4244-AEA4-8F125D24359B}">
+      <dgm:prSet/>
+      <dgm:spPr/>
+      <dgm:t>
+        <a:bodyPr/>
+        <a:lstStyle/>
+        <a:p>
+          <a:endParaRPr lang="en-US"/>
+        </a:p>
+      </dgm:t>
+    </dgm:pt>
+    <dgm:pt modelId="{75EB6D27-7321-462D-A601-B0FD3615EA9D}">
+      <dgm:prSet phldrT="[Text]"/>
+      <dgm:spPr/>
+      <dgm:t>
+        <a:bodyPr/>
+        <a:lstStyle/>
+        <a:p>
+          <a:r>
+            <a:rPr lang="en-US" dirty="0"/>
+            <a:t>Everything gets passed to Azure processing</a:t>
+          </a:r>
+        </a:p>
+      </dgm:t>
+    </dgm:pt>
+    <dgm:pt modelId="{876B059B-82BC-4C73-A2B0-ADF156FC233C}" type="parTrans" cxnId="{84E81599-2077-4D49-9547-CB43566A9662}">
+      <dgm:prSet/>
+      <dgm:spPr/>
+      <dgm:t>
+        <a:bodyPr/>
+        <a:lstStyle/>
+        <a:p>
+          <a:endParaRPr lang="en-US"/>
+        </a:p>
+      </dgm:t>
+    </dgm:pt>
+    <dgm:pt modelId="{A773B523-592D-4879-916B-899DD7F9623A}" type="sibTrans" cxnId="{84E81599-2077-4D49-9547-CB43566A9662}">
+      <dgm:prSet/>
+      <dgm:spPr/>
+      <dgm:t>
+        <a:bodyPr/>
+        <a:lstStyle/>
+        <a:p>
+          <a:endParaRPr lang="en-US"/>
+        </a:p>
+      </dgm:t>
+    </dgm:pt>
+    <dgm:pt modelId="{8BA89858-B5AB-4CEA-AA50-053A9DA9AB72}">
+      <dgm:prSet phldrT="[Text]"/>
+      <dgm:spPr/>
+      <dgm:t>
+        <a:bodyPr/>
+        <a:lstStyle/>
+        <a:p>
+          <a:r>
+            <a:rPr lang="en-US" dirty="0"/>
+            <a:t>If it’s unfamiliar with customer’s term, it calls nearest store</a:t>
+          </a:r>
+        </a:p>
+      </dgm:t>
+    </dgm:pt>
+    <dgm:pt modelId="{58F72A3E-E28B-48A7-B008-46FB3A2FD95E}" type="parTrans" cxnId="{FB1EDF1D-494E-4EFF-9D92-28426E216944}">
+      <dgm:prSet/>
+      <dgm:spPr/>
+      <dgm:t>
+        <a:bodyPr/>
+        <a:lstStyle/>
+        <a:p>
+          <a:endParaRPr lang="en-US"/>
+        </a:p>
+      </dgm:t>
+    </dgm:pt>
+    <dgm:pt modelId="{13E81A0D-5928-4077-8FC8-CF0ECEED3D85}" type="sibTrans" cxnId="{FB1EDF1D-494E-4EFF-9D92-28426E216944}">
+      <dgm:prSet/>
+      <dgm:spPr/>
+      <dgm:t>
+        <a:bodyPr/>
+        <a:lstStyle/>
+        <a:p>
+          <a:endParaRPr lang="en-US"/>
+        </a:p>
+      </dgm:t>
+    </dgm:pt>
+    <dgm:pt modelId="{B5AB793D-6DEF-405A-9239-8C145958F64F}" type="pres">
+      <dgm:prSet presAssocID="{0B2BEF1A-98B4-48E9-A744-AD8D5470E975}" presName="Name0" presStyleCnt="0">
+        <dgm:presLayoutVars>
+          <dgm:dir/>
+          <dgm:resizeHandles val="exact"/>
+        </dgm:presLayoutVars>
+      </dgm:prSet>
+      <dgm:spPr/>
+    </dgm:pt>
+    <dgm:pt modelId="{204D47EB-DAD7-4D1D-986A-BFEBBA00268B}" type="pres">
+      <dgm:prSet presAssocID="{8F1D1A63-2451-43C5-8DE1-79B93AF85F1B}" presName="parTxOnly" presStyleLbl="node1" presStyleIdx="0" presStyleCnt="6" custScaleX="71817">
+        <dgm:presLayoutVars>
+          <dgm:bulletEnabled val="1"/>
+        </dgm:presLayoutVars>
+      </dgm:prSet>
+      <dgm:spPr/>
+    </dgm:pt>
+    <dgm:pt modelId="{81A29B45-177E-40B3-B72A-EC853764D8DC}" type="pres">
+      <dgm:prSet presAssocID="{1816703C-913C-465E-8EE6-37CA9AE1D993}" presName="parSpace" presStyleCnt="0"/>
+      <dgm:spPr/>
+    </dgm:pt>
+    <dgm:pt modelId="{3974F843-86FF-49D3-B20F-5A6C79274B69}" type="pres">
+      <dgm:prSet presAssocID="{7B792048-7869-40A8-8E9A-648648E9A32D}" presName="parTxOnly" presStyleLbl="node1" presStyleIdx="1" presStyleCnt="6">
+        <dgm:presLayoutVars>
+          <dgm:bulletEnabled val="1"/>
+        </dgm:presLayoutVars>
+      </dgm:prSet>
+      <dgm:spPr/>
+    </dgm:pt>
+    <dgm:pt modelId="{1A63CA96-E4B5-473E-AE22-F9FB9ADD250F}" type="pres">
+      <dgm:prSet presAssocID="{97E2ABFA-2E5B-4949-84BA-A79041A04E91}" presName="parSpace" presStyleCnt="0"/>
+      <dgm:spPr/>
+    </dgm:pt>
+    <dgm:pt modelId="{EA97EFFC-4523-4543-BAED-EBBF821112DC}" type="pres">
+      <dgm:prSet presAssocID="{28409DDE-56D7-4DF8-96A0-39896107F18D}" presName="parTxOnly" presStyleLbl="node1" presStyleIdx="2" presStyleCnt="6">
+        <dgm:presLayoutVars>
+          <dgm:bulletEnabled val="1"/>
+        </dgm:presLayoutVars>
+      </dgm:prSet>
+      <dgm:spPr/>
+    </dgm:pt>
+    <dgm:pt modelId="{84A48E4E-07B1-40B8-A4B7-4E18939DA123}" type="pres">
+      <dgm:prSet presAssocID="{3280141F-D4B1-4BF9-B450-5FA40909F160}" presName="parSpace" presStyleCnt="0"/>
+      <dgm:spPr/>
+    </dgm:pt>
+    <dgm:pt modelId="{C5F9BE89-3701-4C23-8426-1B32E6D537A5}" type="pres">
+      <dgm:prSet presAssocID="{17730755-051D-4F98-BAC7-A73EBC488D30}" presName="parTxOnly" presStyleLbl="node1" presStyleIdx="3" presStyleCnt="6">
+        <dgm:presLayoutVars>
+          <dgm:bulletEnabled val="1"/>
+        </dgm:presLayoutVars>
+      </dgm:prSet>
+      <dgm:spPr/>
+    </dgm:pt>
+    <dgm:pt modelId="{6D8E287B-5252-4CB0-8C13-C65DC4C224CE}" type="pres">
+      <dgm:prSet presAssocID="{4132D762-52E8-4D4A-8699-19108B98196D}" presName="parSpace" presStyleCnt="0"/>
+      <dgm:spPr/>
+    </dgm:pt>
+    <dgm:pt modelId="{9E8A0717-680D-42BD-B904-3FC0A9BA9F09}" type="pres">
+      <dgm:prSet presAssocID="{75EB6D27-7321-462D-A601-B0FD3615EA9D}" presName="parTxOnly" presStyleLbl="node1" presStyleIdx="4" presStyleCnt="6">
+        <dgm:presLayoutVars>
+          <dgm:bulletEnabled val="1"/>
+        </dgm:presLayoutVars>
+      </dgm:prSet>
+      <dgm:spPr/>
+    </dgm:pt>
+    <dgm:pt modelId="{E39F4F0C-1F0B-4EA9-823C-2E8880A42C18}" type="pres">
+      <dgm:prSet presAssocID="{A773B523-592D-4879-916B-899DD7F9623A}" presName="parSpace" presStyleCnt="0"/>
+      <dgm:spPr/>
+    </dgm:pt>
+    <dgm:pt modelId="{9D573512-732A-4EA1-B1D0-069DA97D2130}" type="pres">
+      <dgm:prSet presAssocID="{8BA89858-B5AB-4CEA-AA50-053A9DA9AB72}" presName="parTxOnly" presStyleLbl="node1" presStyleIdx="5" presStyleCnt="6">
+        <dgm:presLayoutVars>
+          <dgm:bulletEnabled val="1"/>
+        </dgm:presLayoutVars>
+      </dgm:prSet>
+      <dgm:spPr/>
+    </dgm:pt>
+  </dgm:ptLst>
+  <dgm:cxnLst>
+    <dgm:cxn modelId="{FB1EDF1D-494E-4EFF-9D92-28426E216944}" srcId="{0B2BEF1A-98B4-48E9-A744-AD8D5470E975}" destId="{8BA89858-B5AB-4CEA-AA50-053A9DA9AB72}" srcOrd="5" destOrd="0" parTransId="{58F72A3E-E28B-48A7-B008-46FB3A2FD95E}" sibTransId="{13E81A0D-5928-4077-8FC8-CF0ECEED3D85}"/>
+    <dgm:cxn modelId="{9D751D23-BADC-4062-9E46-4F4E039D0779}" type="presOf" srcId="{8F1D1A63-2451-43C5-8DE1-79B93AF85F1B}" destId="{204D47EB-DAD7-4D1D-986A-BFEBBA00268B}" srcOrd="0" destOrd="0" presId="urn:microsoft.com/office/officeart/2005/8/layout/hChevron3"/>
+    <dgm:cxn modelId="{1A123C29-9D21-4FB7-941C-E0B0CA8317EE}" type="presOf" srcId="{7B792048-7869-40A8-8E9A-648648E9A32D}" destId="{3974F843-86FF-49D3-B20F-5A6C79274B69}" srcOrd="0" destOrd="0" presId="urn:microsoft.com/office/officeart/2005/8/layout/hChevron3"/>
+    <dgm:cxn modelId="{2D030B32-81F6-44FC-AD6F-8CE149AD1EB1}" srcId="{0B2BEF1A-98B4-48E9-A744-AD8D5470E975}" destId="{7B792048-7869-40A8-8E9A-648648E9A32D}" srcOrd="1" destOrd="0" parTransId="{4DEA15E0-5AFC-4D05-BFE8-0CAFA216BF33}" sibTransId="{97E2ABFA-2E5B-4949-84BA-A79041A04E91}"/>
+    <dgm:cxn modelId="{6245B568-939B-45C5-BA27-43C032E9725F}" type="presOf" srcId="{0B2BEF1A-98B4-48E9-A744-AD8D5470E975}" destId="{B5AB793D-6DEF-405A-9239-8C145958F64F}" srcOrd="0" destOrd="0" presId="urn:microsoft.com/office/officeart/2005/8/layout/hChevron3"/>
+    <dgm:cxn modelId="{6930FC6A-1B21-4244-AEA4-8F125D24359B}" srcId="{0B2BEF1A-98B4-48E9-A744-AD8D5470E975}" destId="{17730755-051D-4F98-BAC7-A73EBC488D30}" srcOrd="3" destOrd="0" parTransId="{87DC4CCD-4478-4458-9708-0A0E9F49D4A8}" sibTransId="{4132D762-52E8-4D4A-8699-19108B98196D}"/>
+    <dgm:cxn modelId="{CBC6AA52-C31A-433A-827A-8079F41EB6C9}" type="presOf" srcId="{8BA89858-B5AB-4CEA-AA50-053A9DA9AB72}" destId="{9D573512-732A-4EA1-B1D0-069DA97D2130}" srcOrd="0" destOrd="0" presId="urn:microsoft.com/office/officeart/2005/8/layout/hChevron3"/>
+    <dgm:cxn modelId="{84E81599-2077-4D49-9547-CB43566A9662}" srcId="{0B2BEF1A-98B4-48E9-A744-AD8D5470E975}" destId="{75EB6D27-7321-462D-A601-B0FD3615EA9D}" srcOrd="4" destOrd="0" parTransId="{876B059B-82BC-4C73-A2B0-ADF156FC233C}" sibTransId="{A773B523-592D-4879-916B-899DD7F9623A}"/>
+    <dgm:cxn modelId="{E9D424A7-9F27-4629-8DF2-6813E99A1329}" srcId="{0B2BEF1A-98B4-48E9-A744-AD8D5470E975}" destId="{8F1D1A63-2451-43C5-8DE1-79B93AF85F1B}" srcOrd="0" destOrd="0" parTransId="{41E3FEBF-9ECB-4CEE-A4E7-B3C189811949}" sibTransId="{1816703C-913C-465E-8EE6-37CA9AE1D993}"/>
+    <dgm:cxn modelId="{297FB9B1-4B3F-49FD-B8C2-F108523D63D8}" type="presOf" srcId="{17730755-051D-4F98-BAC7-A73EBC488D30}" destId="{C5F9BE89-3701-4C23-8426-1B32E6D537A5}" srcOrd="0" destOrd="0" presId="urn:microsoft.com/office/officeart/2005/8/layout/hChevron3"/>
+    <dgm:cxn modelId="{F883D6BC-476A-4088-93C6-EA1047531247}" type="presOf" srcId="{28409DDE-56D7-4DF8-96A0-39896107F18D}" destId="{EA97EFFC-4523-4543-BAED-EBBF821112DC}" srcOrd="0" destOrd="0" presId="urn:microsoft.com/office/officeart/2005/8/layout/hChevron3"/>
+    <dgm:cxn modelId="{0D0D99C7-B269-495F-9AA8-4C5FA4F53044}" srcId="{0B2BEF1A-98B4-48E9-A744-AD8D5470E975}" destId="{28409DDE-56D7-4DF8-96A0-39896107F18D}" srcOrd="2" destOrd="0" parTransId="{4D41418D-670F-4496-AFD8-36CBBF252B78}" sibTransId="{3280141F-D4B1-4BF9-B450-5FA40909F160}"/>
+    <dgm:cxn modelId="{A22855D6-1FCA-4A7A-B30B-3F820713B8C9}" type="presOf" srcId="{75EB6D27-7321-462D-A601-B0FD3615EA9D}" destId="{9E8A0717-680D-42BD-B904-3FC0A9BA9F09}" srcOrd="0" destOrd="0" presId="urn:microsoft.com/office/officeart/2005/8/layout/hChevron3"/>
+    <dgm:cxn modelId="{9B73C8E8-CCC6-49D9-BD94-5A5CFE866BC3}" type="presParOf" srcId="{B5AB793D-6DEF-405A-9239-8C145958F64F}" destId="{204D47EB-DAD7-4D1D-986A-BFEBBA00268B}" srcOrd="0" destOrd="0" presId="urn:microsoft.com/office/officeart/2005/8/layout/hChevron3"/>
+    <dgm:cxn modelId="{E4F7D2E5-E56B-4D86-8FD2-5DEDB9EC059C}" type="presParOf" srcId="{B5AB793D-6DEF-405A-9239-8C145958F64F}" destId="{81A29B45-177E-40B3-B72A-EC853764D8DC}" srcOrd="1" destOrd="0" presId="urn:microsoft.com/office/officeart/2005/8/layout/hChevron3"/>
+    <dgm:cxn modelId="{A0F6E089-F95A-4E91-8E0E-882DB116488A}" type="presParOf" srcId="{B5AB793D-6DEF-405A-9239-8C145958F64F}" destId="{3974F843-86FF-49D3-B20F-5A6C79274B69}" srcOrd="2" destOrd="0" presId="urn:microsoft.com/office/officeart/2005/8/layout/hChevron3"/>
+    <dgm:cxn modelId="{41540E63-2B2F-42AF-9563-9AC34C449E71}" type="presParOf" srcId="{B5AB793D-6DEF-405A-9239-8C145958F64F}" destId="{1A63CA96-E4B5-473E-AE22-F9FB9ADD250F}" srcOrd="3" destOrd="0" presId="urn:microsoft.com/office/officeart/2005/8/layout/hChevron3"/>
+    <dgm:cxn modelId="{22D27C38-7DF4-4779-999D-9ACD36EC40B2}" type="presParOf" srcId="{B5AB793D-6DEF-405A-9239-8C145958F64F}" destId="{EA97EFFC-4523-4543-BAED-EBBF821112DC}" srcOrd="4" destOrd="0" presId="urn:microsoft.com/office/officeart/2005/8/layout/hChevron3"/>
+    <dgm:cxn modelId="{0D4BB9D9-29AE-44F9-8B24-7738B6C585BD}" type="presParOf" srcId="{B5AB793D-6DEF-405A-9239-8C145958F64F}" destId="{84A48E4E-07B1-40B8-A4B7-4E18939DA123}" srcOrd="5" destOrd="0" presId="urn:microsoft.com/office/officeart/2005/8/layout/hChevron3"/>
+    <dgm:cxn modelId="{A5A3BA3C-9DFD-4596-9F7D-7F29F8ECE833}" type="presParOf" srcId="{B5AB793D-6DEF-405A-9239-8C145958F64F}" destId="{C5F9BE89-3701-4C23-8426-1B32E6D537A5}" srcOrd="6" destOrd="0" presId="urn:microsoft.com/office/officeart/2005/8/layout/hChevron3"/>
+    <dgm:cxn modelId="{08943042-5570-4FE5-AD96-9848E4AA5101}" type="presParOf" srcId="{B5AB793D-6DEF-405A-9239-8C145958F64F}" destId="{6D8E287B-5252-4CB0-8C13-C65DC4C224CE}" srcOrd="7" destOrd="0" presId="urn:microsoft.com/office/officeart/2005/8/layout/hChevron3"/>
+    <dgm:cxn modelId="{8D081F08-73E4-4AEC-B059-7C324D52179D}" type="presParOf" srcId="{B5AB793D-6DEF-405A-9239-8C145958F64F}" destId="{9E8A0717-680D-42BD-B904-3FC0A9BA9F09}" srcOrd="8" destOrd="0" presId="urn:microsoft.com/office/officeart/2005/8/layout/hChevron3"/>
+    <dgm:cxn modelId="{01368FDD-B639-49E9-AA51-6F2C1E34B419}" type="presParOf" srcId="{B5AB793D-6DEF-405A-9239-8C145958F64F}" destId="{E39F4F0C-1F0B-4EA9-823C-2E8880A42C18}" srcOrd="9" destOrd="0" presId="urn:microsoft.com/office/officeart/2005/8/layout/hChevron3"/>
+    <dgm:cxn modelId="{23DA5EA8-934D-4830-9341-ACC690A7910B}" type="presParOf" srcId="{B5AB793D-6DEF-405A-9239-8C145958F64F}" destId="{9D573512-732A-4EA1-B1D0-069DA97D2130}" srcOrd="10" destOrd="0" presId="urn:microsoft.com/office/officeart/2005/8/layout/hChevron3"/>
+  </dgm:cxnLst>
+  <dgm:bg/>
+  <dgm:whole/>
+  <dgm:extLst>
+    <a:ext uri="http://schemas.microsoft.com/office/drawing/2008/diagram">
+      <dsp:dataModelExt xmlns:dsp="http://schemas.microsoft.com/office/drawing/2008/diagram" relId="rId6" minVer="http://schemas.openxmlformats.org/drawingml/2006/diagram"/>
+    </a:ext>
+  </dgm:extLst>
+</dgm:dataModel>
+</file>
+
+<file path=ppt/diagrams/drawing1.xml><?xml version="1.0" encoding="utf-8"?>
+<dsp:drawing xmlns:dgm="http://schemas.openxmlformats.org/drawingml/2006/diagram" xmlns:dsp="http://schemas.microsoft.com/office/drawing/2008/diagram" xmlns:a="http://schemas.openxmlformats.org/drawingml/2006/main">
+  <dsp:spTree>
+    <dsp:nvGrpSpPr>
+      <dsp:cNvPr id="0" name=""/>
+      <dsp:cNvGrpSpPr/>
+    </dsp:nvGrpSpPr>
+    <dsp:grpSpPr/>
+    <dsp:sp modelId="{204D47EB-DAD7-4D1D-986A-BFEBBA00268B}">
+      <dsp:nvSpPr>
+        <dsp:cNvPr id="0" name=""/>
+        <dsp:cNvSpPr/>
+      </dsp:nvSpPr>
+      <dsp:spPr>
+        <a:xfrm>
+          <a:off x="830" y="1553557"/>
+          <a:ext cx="1646760" cy="917197"/>
+        </a:xfrm>
+        <a:prstGeom prst="homePlate">
+          <a:avLst/>
+        </a:prstGeom>
+        <a:solidFill>
+          <a:schemeClr val="accent1">
+            <a:hueOff val="0"/>
+            <a:satOff val="0"/>
+            <a:lumOff val="0"/>
+            <a:alphaOff val="0"/>
+          </a:schemeClr>
+        </a:solidFill>
+        <a:ln w="12700" cap="flat" cmpd="sng" algn="ctr">
+          <a:solidFill>
+            <a:schemeClr val="lt1">
+              <a:hueOff val="0"/>
+              <a:satOff val="0"/>
+              <a:lumOff val="0"/>
+              <a:alphaOff val="0"/>
+            </a:schemeClr>
+          </a:solidFill>
+          <a:prstDash val="solid"/>
+        </a:ln>
+        <a:effectLst/>
+      </dsp:spPr>
+      <dsp:style>
+        <a:lnRef idx="2">
+          <a:scrgbClr r="0" g="0" b="0"/>
+        </a:lnRef>
+        <a:fillRef idx="1">
+          <a:scrgbClr r="0" g="0" b="0"/>
+        </a:fillRef>
+        <a:effectRef idx="0">
+          <a:scrgbClr r="0" g="0" b="0"/>
+        </a:effectRef>
+        <a:fontRef idx="minor">
+          <a:schemeClr val="lt1"/>
+        </a:fontRef>
+      </dsp:style>
+      <dsp:txBody>
+        <a:bodyPr spcFirstLastPara="0" vert="horz" wrap="square" lIns="69342" tIns="34671" rIns="17336" bIns="34671" numCol="1" spcCol="1270" anchor="ctr" anchorCtr="0">
+          <a:noAutofit/>
+        </a:bodyPr>
+        <a:lstStyle/>
+        <a:p>
+          <a:pPr marL="0" lvl="0" indent="0" algn="ctr" defTabSz="577850">
+            <a:lnSpc>
+              <a:spcPct val="90000"/>
+            </a:lnSpc>
+            <a:spcBef>
+              <a:spcPct val="0"/>
+            </a:spcBef>
+            <a:spcAft>
+              <a:spcPct val="35000"/>
+            </a:spcAft>
+            <a:buNone/>
+          </a:pPr>
+          <a:r>
+            <a:rPr lang="en-US" sz="1300" kern="1200" dirty="0"/>
+            <a:t>Customer calls             T-Mobile</a:t>
+          </a:r>
+        </a:p>
+      </dsp:txBody>
+      <dsp:txXfrm>
+        <a:off x="830" y="1553557"/>
+        <a:ext cx="1417461" cy="917197"/>
+      </dsp:txXfrm>
+    </dsp:sp>
+    <dsp:sp modelId="{3974F843-86FF-49D3-B20F-5A6C79274B69}">
+      <dsp:nvSpPr>
+        <dsp:cNvPr id="0" name=""/>
+        <dsp:cNvSpPr/>
+      </dsp:nvSpPr>
+      <dsp:spPr>
+        <a:xfrm>
+          <a:off x="1188991" y="1553557"/>
+          <a:ext cx="2292994" cy="917197"/>
+        </a:xfrm>
+        <a:prstGeom prst="chevron">
+          <a:avLst/>
+        </a:prstGeom>
+        <a:solidFill>
+          <a:schemeClr val="accent1">
+            <a:hueOff val="0"/>
+            <a:satOff val="0"/>
+            <a:lumOff val="0"/>
+            <a:alphaOff val="0"/>
+          </a:schemeClr>
+        </a:solidFill>
+        <a:ln w="12700" cap="flat" cmpd="sng" algn="ctr">
+          <a:solidFill>
+            <a:schemeClr val="lt1">
+              <a:hueOff val="0"/>
+              <a:satOff val="0"/>
+              <a:lumOff val="0"/>
+              <a:alphaOff val="0"/>
+            </a:schemeClr>
+          </a:solidFill>
+          <a:prstDash val="solid"/>
+        </a:ln>
+        <a:effectLst/>
+      </dsp:spPr>
+      <dsp:style>
+        <a:lnRef idx="2">
+          <a:scrgbClr r="0" g="0" b="0"/>
+        </a:lnRef>
+        <a:fillRef idx="1">
+          <a:scrgbClr r="0" g="0" b="0"/>
+        </a:fillRef>
+        <a:effectRef idx="0">
+          <a:scrgbClr r="0" g="0" b="0"/>
+        </a:effectRef>
+        <a:fontRef idx="minor">
+          <a:schemeClr val="lt1"/>
+        </a:fontRef>
+      </dsp:style>
+      <dsp:txBody>
+        <a:bodyPr spcFirstLastPara="0" vert="horz" wrap="square" lIns="52007" tIns="34671" rIns="17336" bIns="34671" numCol="1" spcCol="1270" anchor="ctr" anchorCtr="0">
+          <a:noAutofit/>
+        </a:bodyPr>
+        <a:lstStyle/>
+        <a:p>
+          <a:pPr marL="0" lvl="0" indent="0" algn="ctr" defTabSz="577850">
+            <a:lnSpc>
+              <a:spcPct val="90000"/>
+            </a:lnSpc>
+            <a:spcBef>
+              <a:spcPct val="0"/>
+            </a:spcBef>
+            <a:spcAft>
+              <a:spcPct val="35000"/>
+            </a:spcAft>
+            <a:buNone/>
+          </a:pPr>
+          <a:r>
+            <a:rPr lang="en-US" sz="1300" kern="1200" dirty="0"/>
+            <a:t>T-Mobile one answers</a:t>
+          </a:r>
+        </a:p>
+      </dsp:txBody>
+      <dsp:txXfrm>
+        <a:off x="1647590" y="1553557"/>
+        <a:ext cx="1375797" cy="917197"/>
+      </dsp:txXfrm>
+    </dsp:sp>
+    <dsp:sp modelId="{EA97EFFC-4523-4543-BAED-EBBF821112DC}">
+      <dsp:nvSpPr>
+        <dsp:cNvPr id="0" name=""/>
+        <dsp:cNvSpPr/>
+      </dsp:nvSpPr>
+      <dsp:spPr>
+        <a:xfrm>
+          <a:off x="3023387" y="1553557"/>
+          <a:ext cx="2292994" cy="917197"/>
+        </a:xfrm>
+        <a:prstGeom prst="chevron">
+          <a:avLst/>
+        </a:prstGeom>
+        <a:solidFill>
+          <a:schemeClr val="accent1">
+            <a:hueOff val="0"/>
+            <a:satOff val="0"/>
+            <a:lumOff val="0"/>
+            <a:alphaOff val="0"/>
+          </a:schemeClr>
+        </a:solidFill>
+        <a:ln w="12700" cap="flat" cmpd="sng" algn="ctr">
+          <a:solidFill>
+            <a:schemeClr val="lt1">
+              <a:hueOff val="0"/>
+              <a:satOff val="0"/>
+              <a:lumOff val="0"/>
+              <a:alphaOff val="0"/>
+            </a:schemeClr>
+          </a:solidFill>
+          <a:prstDash val="solid"/>
+        </a:ln>
+        <a:effectLst/>
+      </dsp:spPr>
+      <dsp:style>
+        <a:lnRef idx="2">
+          <a:scrgbClr r="0" g="0" b="0"/>
+        </a:lnRef>
+        <a:fillRef idx="1">
+          <a:scrgbClr r="0" g="0" b="0"/>
+        </a:fillRef>
+        <a:effectRef idx="0">
+          <a:scrgbClr r="0" g="0" b="0"/>
+        </a:effectRef>
+        <a:fontRef idx="minor">
+          <a:schemeClr val="lt1"/>
+        </a:fontRef>
+      </dsp:style>
+      <dsp:txBody>
+        <a:bodyPr spcFirstLastPara="0" vert="horz" wrap="square" lIns="52007" tIns="34671" rIns="17336" bIns="34671" numCol="1" spcCol="1270" anchor="ctr" anchorCtr="0">
+          <a:noAutofit/>
+        </a:bodyPr>
+        <a:lstStyle/>
+        <a:p>
+          <a:pPr marL="0" lvl="0" indent="0" algn="ctr" defTabSz="577850">
+            <a:lnSpc>
+              <a:spcPct val="90000"/>
+            </a:lnSpc>
+            <a:spcBef>
+              <a:spcPct val="0"/>
+            </a:spcBef>
+            <a:spcAft>
+              <a:spcPct val="35000"/>
+            </a:spcAft>
+            <a:buNone/>
+          </a:pPr>
+          <a:r>
+            <a:rPr lang="en-US" sz="1300" kern="1200" dirty="0"/>
+            <a:t>Twilio gets data on customer</a:t>
+          </a:r>
+        </a:p>
+      </dsp:txBody>
+      <dsp:txXfrm>
+        <a:off x="3481986" y="1553557"/>
+        <a:ext cx="1375797" cy="917197"/>
+      </dsp:txXfrm>
+    </dsp:sp>
+    <dsp:sp modelId="{C5F9BE89-3701-4C23-8426-1B32E6D537A5}">
+      <dsp:nvSpPr>
+        <dsp:cNvPr id="0" name=""/>
+        <dsp:cNvSpPr/>
+      </dsp:nvSpPr>
+      <dsp:spPr>
+        <a:xfrm>
+          <a:off x="4857783" y="1553557"/>
+          <a:ext cx="2292994" cy="917197"/>
+        </a:xfrm>
+        <a:prstGeom prst="chevron">
+          <a:avLst/>
+        </a:prstGeom>
+        <a:solidFill>
+          <a:schemeClr val="accent1">
+            <a:hueOff val="0"/>
+            <a:satOff val="0"/>
+            <a:lumOff val="0"/>
+            <a:alphaOff val="0"/>
+          </a:schemeClr>
+        </a:solidFill>
+        <a:ln w="12700" cap="flat" cmpd="sng" algn="ctr">
+          <a:solidFill>
+            <a:schemeClr val="lt1">
+              <a:hueOff val="0"/>
+              <a:satOff val="0"/>
+              <a:lumOff val="0"/>
+              <a:alphaOff val="0"/>
+            </a:schemeClr>
+          </a:solidFill>
+          <a:prstDash val="solid"/>
+        </a:ln>
+        <a:effectLst/>
+      </dsp:spPr>
+      <dsp:style>
+        <a:lnRef idx="2">
+          <a:scrgbClr r="0" g="0" b="0"/>
+        </a:lnRef>
+        <a:fillRef idx="1">
+          <a:scrgbClr r="0" g="0" b="0"/>
+        </a:fillRef>
+        <a:effectRef idx="0">
+          <a:scrgbClr r="0" g="0" b="0"/>
+        </a:effectRef>
+        <a:fontRef idx="minor">
+          <a:schemeClr val="lt1"/>
+        </a:fontRef>
+      </dsp:style>
+      <dsp:txBody>
+        <a:bodyPr spcFirstLastPara="0" vert="horz" wrap="square" lIns="52007" tIns="34671" rIns="17336" bIns="34671" numCol="1" spcCol="1270" anchor="ctr" anchorCtr="0">
+          <a:noAutofit/>
+        </a:bodyPr>
+        <a:lstStyle/>
+        <a:p>
+          <a:pPr marL="0" lvl="0" indent="0" algn="ctr" defTabSz="577850">
+            <a:lnSpc>
+              <a:spcPct val="90000"/>
+            </a:lnSpc>
+            <a:spcBef>
+              <a:spcPct val="0"/>
+            </a:spcBef>
+            <a:spcAft>
+              <a:spcPct val="35000"/>
+            </a:spcAft>
+            <a:buNone/>
+          </a:pPr>
+          <a:r>
+            <a:rPr lang="en-US" sz="1300" kern="1200" dirty="0"/>
+            <a:t>Forwarded to Dialogue Flow</a:t>
+          </a:r>
+        </a:p>
+      </dsp:txBody>
+      <dsp:txXfrm>
+        <a:off x="5316382" y="1553557"/>
+        <a:ext cx="1375797" cy="917197"/>
+      </dsp:txXfrm>
+    </dsp:sp>
+    <dsp:sp modelId="{9E8A0717-680D-42BD-B904-3FC0A9BA9F09}">
+      <dsp:nvSpPr>
+        <dsp:cNvPr id="0" name=""/>
+        <dsp:cNvSpPr/>
+      </dsp:nvSpPr>
+      <dsp:spPr>
+        <a:xfrm>
+          <a:off x="6692179" y="1553557"/>
+          <a:ext cx="2292994" cy="917197"/>
+        </a:xfrm>
+        <a:prstGeom prst="chevron">
+          <a:avLst/>
+        </a:prstGeom>
+        <a:solidFill>
+          <a:schemeClr val="accent1">
+            <a:hueOff val="0"/>
+            <a:satOff val="0"/>
+            <a:lumOff val="0"/>
+            <a:alphaOff val="0"/>
+          </a:schemeClr>
+        </a:solidFill>
+        <a:ln w="12700" cap="flat" cmpd="sng" algn="ctr">
+          <a:solidFill>
+            <a:schemeClr val="lt1">
+              <a:hueOff val="0"/>
+              <a:satOff val="0"/>
+              <a:lumOff val="0"/>
+              <a:alphaOff val="0"/>
+            </a:schemeClr>
+          </a:solidFill>
+          <a:prstDash val="solid"/>
+        </a:ln>
+        <a:effectLst/>
+      </dsp:spPr>
+      <dsp:style>
+        <a:lnRef idx="2">
+          <a:scrgbClr r="0" g="0" b="0"/>
+        </a:lnRef>
+        <a:fillRef idx="1">
+          <a:scrgbClr r="0" g="0" b="0"/>
+        </a:fillRef>
+        <a:effectRef idx="0">
+          <a:scrgbClr r="0" g="0" b="0"/>
+        </a:effectRef>
+        <a:fontRef idx="minor">
+          <a:schemeClr val="lt1"/>
+        </a:fontRef>
+      </dsp:style>
+      <dsp:txBody>
+        <a:bodyPr spcFirstLastPara="0" vert="horz" wrap="square" lIns="52007" tIns="34671" rIns="17336" bIns="34671" numCol="1" spcCol="1270" anchor="ctr" anchorCtr="0">
+          <a:noAutofit/>
+        </a:bodyPr>
+        <a:lstStyle/>
+        <a:p>
+          <a:pPr marL="0" lvl="0" indent="0" algn="ctr" defTabSz="577850">
+            <a:lnSpc>
+              <a:spcPct val="90000"/>
+            </a:lnSpc>
+            <a:spcBef>
+              <a:spcPct val="0"/>
+            </a:spcBef>
+            <a:spcAft>
+              <a:spcPct val="35000"/>
+            </a:spcAft>
+            <a:buNone/>
+          </a:pPr>
+          <a:r>
+            <a:rPr lang="en-US" sz="1300" kern="1200" dirty="0"/>
+            <a:t>Everything gets passed to Azure processing</a:t>
+          </a:r>
+        </a:p>
+      </dsp:txBody>
+      <dsp:txXfrm>
+        <a:off x="7150778" y="1553557"/>
+        <a:ext cx="1375797" cy="917197"/>
+      </dsp:txXfrm>
+    </dsp:sp>
+    <dsp:sp modelId="{9D573512-732A-4EA1-B1D0-069DA97D2130}">
+      <dsp:nvSpPr>
+        <dsp:cNvPr id="0" name=""/>
+        <dsp:cNvSpPr/>
+      </dsp:nvSpPr>
+      <dsp:spPr>
+        <a:xfrm>
+          <a:off x="8526575" y="1553557"/>
+          <a:ext cx="2292994" cy="917197"/>
+        </a:xfrm>
+        <a:prstGeom prst="chevron">
+          <a:avLst/>
+        </a:prstGeom>
+        <a:solidFill>
+          <a:schemeClr val="accent1">
+            <a:hueOff val="0"/>
+            <a:satOff val="0"/>
+            <a:lumOff val="0"/>
+            <a:alphaOff val="0"/>
+          </a:schemeClr>
+        </a:solidFill>
+        <a:ln w="12700" cap="flat" cmpd="sng" algn="ctr">
+          <a:solidFill>
+            <a:schemeClr val="lt1">
+              <a:hueOff val="0"/>
+              <a:satOff val="0"/>
+              <a:lumOff val="0"/>
+              <a:alphaOff val="0"/>
+            </a:schemeClr>
+          </a:solidFill>
+          <a:prstDash val="solid"/>
+        </a:ln>
+        <a:effectLst/>
+      </dsp:spPr>
+      <dsp:style>
+        <a:lnRef idx="2">
+          <a:scrgbClr r="0" g="0" b="0"/>
+        </a:lnRef>
+        <a:fillRef idx="1">
+          <a:scrgbClr r="0" g="0" b="0"/>
+        </a:fillRef>
+        <a:effectRef idx="0">
+          <a:scrgbClr r="0" g="0" b="0"/>
+        </a:effectRef>
+        <a:fontRef idx="minor">
+          <a:schemeClr val="lt1"/>
+        </a:fontRef>
+      </dsp:style>
+      <dsp:txBody>
+        <a:bodyPr spcFirstLastPara="0" vert="horz" wrap="square" lIns="52007" tIns="34671" rIns="17336" bIns="34671" numCol="1" spcCol="1270" anchor="ctr" anchorCtr="0">
+          <a:noAutofit/>
+        </a:bodyPr>
+        <a:lstStyle/>
+        <a:p>
+          <a:pPr marL="0" lvl="0" indent="0" algn="ctr" defTabSz="577850">
+            <a:lnSpc>
+              <a:spcPct val="90000"/>
+            </a:lnSpc>
+            <a:spcBef>
+              <a:spcPct val="0"/>
+            </a:spcBef>
+            <a:spcAft>
+              <a:spcPct val="35000"/>
+            </a:spcAft>
+            <a:buNone/>
+          </a:pPr>
+          <a:r>
+            <a:rPr lang="en-US" sz="1300" kern="1200" dirty="0"/>
+            <a:t>If it’s unfamiliar with customer’s term, it calls nearest store</a:t>
+          </a:r>
+        </a:p>
+      </dsp:txBody>
+      <dsp:txXfrm>
+        <a:off x="8985174" y="1553557"/>
+        <a:ext cx="1375797" cy="917197"/>
+      </dsp:txXfrm>
+    </dsp:sp>
+  </dsp:spTree>
+</dsp:drawing>
+</file>
+
+<file path=ppt/diagrams/layout1.xml><?xml version="1.0" encoding="utf-8"?>
+<dgm:layoutDef xmlns:dgm="http://schemas.openxmlformats.org/drawingml/2006/diagram" xmlns:a="http://schemas.openxmlformats.org/drawingml/2006/main" uniqueId="urn:microsoft.com/office/officeart/2005/8/layout/hChevron3">
+  <dgm:title val=""/>
+  <dgm:desc val=""/>
+  <dgm:catLst>
+    <dgm:cat type="process" pri="10000"/>
+  </dgm:catLst>
+  <dgm:sampData useDef="1">
+    <dgm:dataModel>
+      <dgm:ptLst/>
+      <dgm:bg/>
+      <dgm:whole/>
+    </dgm:dataModel>
+  </dgm:sampData>
+  <dgm:styleData>
+    <dgm:dataModel>
+      <dgm:ptLst>
+        <dgm:pt modelId="0" type="doc"/>
+        <dgm:pt modelId="1"/>
+        <dgm:pt modelId="2"/>
+      </dgm:ptLst>
+      <dgm:cxnLst>
+        <dgm:cxn modelId="3" srcId="0" destId="1" srcOrd="0" destOrd="0"/>
+        <dgm:cxn modelId="4" srcId="0" destId="2" srcOrd="1" destOrd="0"/>
+      </dgm:cxnLst>
+      <dgm:bg/>
+      <dgm:whole/>
+    </dgm:dataModel>
+  </dgm:styleData>
+  <dgm:clrData>
+    <dgm:dataModel>
+      <dgm:ptLst>
+        <dgm:pt modelId="0" type="doc"/>
+        <dgm:pt modelId="1"/>
+        <dgm:pt modelId="2"/>
+        <dgm:pt modelId="3"/>
+        <dgm:pt modelId="4"/>
+      </dgm:ptLst>
+      <dgm:cxnLst>
+        <dgm:cxn modelId="5" srcId="0" destId="1" srcOrd="0" destOrd="0"/>
+        <dgm:cxn modelId="6" srcId="0" destId="2" srcOrd="1" destOrd="0"/>
+        <dgm:cxn modelId="7" srcId="0" destId="3" srcOrd="2" destOrd="0"/>
+        <dgm:cxn modelId="8" srcId="0" destId="4" srcOrd="3" destOrd="0"/>
+      </dgm:cxnLst>
+      <dgm:bg/>
+      <dgm:whole/>
+    </dgm:dataModel>
+  </dgm:clrData>
+  <dgm:layoutNode name="Name0">
+    <dgm:varLst>
+      <dgm:dir/>
+      <dgm:resizeHandles val="exact"/>
+    </dgm:varLst>
+    <dgm:choose name="Name1">
+      <dgm:if name="Name2" func="var" arg="dir" op="equ" val="norm">
+        <dgm:alg type="lin"/>
+      </dgm:if>
+      <dgm:else name="Name3">
+        <dgm:alg type="lin">
+          <dgm:param type="linDir" val="fromR"/>
+        </dgm:alg>
+      </dgm:else>
+    </dgm:choose>
+    <dgm:shape xmlns:r="http://schemas.openxmlformats.org/officeDocument/2006/relationships" r:blip="">
+      <dgm:adjLst/>
+    </dgm:shape>
+    <dgm:presOf/>
+    <dgm:choose name="Name4">
+      <dgm:if name="Name5" axis="root des" func="maxDepth" op="gte" val="2">
+        <dgm:constrLst>
+          <dgm:constr type="w" for="ch" forName="parAndChTx" refType="w"/>
+          <dgm:constr type="primFontSz" for="ch" ptType="node" op="equ"/>
+          <dgm:constr type="w" for="ch" forName="parAndChSpace" refType="w" refFor="ch" refForName="parAndChTx" fact="-0.2"/>
+          <dgm:constr type="w" for="ch" ptType="sibTrans" op="equ"/>
+        </dgm:constrLst>
+        <dgm:ruleLst/>
+        <dgm:forEach name="Name6" axis="ch" ptType="node">
+          <dgm:layoutNode name="parAndChTx">
+            <dgm:varLst>
+              <dgm:bulletEnabled val="1"/>
+            </dgm:varLst>
+            <dgm:alg type="tx"/>
+            <dgm:choose name="Name7">
+              <dgm:if name="Name8" func="var" arg="dir" op="equ" val="norm">
+                <dgm:choose name="Name9">
+                  <dgm:if name="Name10" axis="self" ptType="node" func="pos" op="equ" val="1">
+                    <dgm:shape xmlns:r="http://schemas.openxmlformats.org/officeDocument/2006/relationships" type="homePlate" r:blip="">
+                      <dgm:adjLst>
+                        <dgm:adj idx="1" val="0.25"/>
+                      </dgm:adjLst>
+                    </dgm:shape>
+                    <dgm:presOf axis="desOrSelf" ptType="node"/>
+                    <dgm:constrLst>
+                      <dgm:constr type="h" refType="w" op="equ" fact="0.8"/>
+                      <dgm:constr type="primFontSz" val="65"/>
+                      <dgm:constr type="tMarg" refType="primFontSz" fact="0.2"/>
+                      <dgm:constr type="bMarg" refType="primFontSz" fact="0.2"/>
+                      <dgm:constr type="lMarg" refType="w" fact="0.1"/>
+                      <dgm:constr type="rMarg" refType="w" fact="0.4"/>
+                    </dgm:constrLst>
+                  </dgm:if>
+                  <dgm:else name="Name11">
+                    <dgm:shape xmlns:r="http://schemas.openxmlformats.org/officeDocument/2006/relationships" type="chevron" r:blip="">
+                      <dgm:adjLst>
+                        <dgm:adj idx="1" val="0.25"/>
+                      </dgm:adjLst>
+                    </dgm:shape>
+                    <dgm:presOf axis="desOrSelf" ptType="node"/>
+                    <dgm:constrLst>
+                      <dgm:constr type="h" refType="w" op="equ" fact="0.8"/>
+                      <dgm:constr type="primFontSz" val="65"/>
+                      <dgm:constr type="tMarg" refType="primFontSz" fact="0.2"/>
+                      <dgm:constr type="bMarg" refType="primFontSz" fact="0.2"/>
+                      <dgm:constr type="lMarg" refType="w" fact="0.1"/>
+                      <dgm:constr type="rMarg" refType="w" fact="0.1"/>
+                    </dgm:constrLst>
+                  </dgm:else>
+                </dgm:choose>
+              </dgm:if>
+              <dgm:else name="Name12">
+                <dgm:choose name="Name13">
+                  <dgm:if name="Name14" axis="self" ptType="node" func="pos" op="equ" val="1">
+                    <dgm:shape xmlns:r="http://schemas.openxmlformats.org/officeDocument/2006/relationships" rot="180" type="homePlate" r:blip="">
+                      <dgm:adjLst>
+                        <dgm:adj idx="1" val="0.25"/>
+                      </dgm:adjLst>
+                    </dgm:shape>
+                    <dgm:presOf axis="desOrSelf" ptType="node"/>
+                    <dgm:constrLst>
+                      <dgm:constr type="h" refType="w" op="equ" fact="0.8"/>
+                      <dgm:constr type="primFontSz" val="65"/>
+                      <dgm:constr type="tMarg" refType="primFontSz" fact="0.2"/>
+                      <dgm:constr type="bMarg" refType="primFontSz" fact="0.2"/>
+                      <dgm:constr type="lMarg" refType="w" fact="0.4"/>
+                      <dgm:constr type="rMarg" refType="w" fact="0.1"/>
+                    </dgm:constrLst>
+                  </dgm:if>
+                  <dgm:else name="Name15">
+                    <dgm:shape xmlns:r="http://schemas.openxmlformats.org/officeDocument/2006/relationships" rot="180" type="chevron" r:blip="">
+                      <dgm:adjLst>
+                        <dgm:adj idx="1" val="0.25"/>
+                      </dgm:adjLst>
+                    </dgm:shape>
+                    <dgm:presOf axis="desOrSelf" ptType="node"/>
+                    <dgm:constrLst>
+                      <dgm:constr type="h" refType="w" op="equ" fact="0.8"/>
+                      <dgm:constr type="primFontSz" val="65"/>
+                      <dgm:constr type="tMarg" refType="primFontSz" fact="0.2"/>
+                      <dgm:constr type="bMarg" refType="primFontSz" fact="0.2"/>
+                      <dgm:constr type="lMarg" refType="w" fact="0.1"/>
+                      <dgm:constr type="rMarg" refType="w" fact="0.1"/>
+                    </dgm:constrLst>
+                  </dgm:else>
+                </dgm:choose>
+              </dgm:else>
+            </dgm:choose>
+            <dgm:ruleLst>
+              <dgm:rule type="primFontSz" val="5" fact="NaN" max="NaN"/>
+            </dgm:ruleLst>
+          </dgm:layoutNode>
+          <dgm:forEach name="Name16" axis="followSib" ptType="sibTrans" cnt="1">
+            <dgm:layoutNode name="parAndChSpace">
+              <dgm:alg type="sp"/>
+              <dgm:shape xmlns:r="http://schemas.openxmlformats.org/officeDocument/2006/relationships" r:blip="">
+                <dgm:adjLst/>
+              </dgm:shape>
+              <dgm:presOf/>
+              <dgm:constrLst/>
+              <dgm:ruleLst/>
+            </dgm:layoutNode>
+          </dgm:forEach>
+        </dgm:forEach>
+      </dgm:if>
+      <dgm:else name="Name17">
+        <dgm:constrLst>
+          <dgm:constr type="w" for="ch" forName="parTxOnly" refType="w"/>
+          <dgm:constr type="primFontSz" for="ch" ptType="node" op="equ"/>
+          <dgm:constr type="w" for="ch" forName="parSpace" refType="w" refFor="ch" refForName="parTxOnly" fact="-0.2"/>
+          <dgm:constr type="w" for="ch" ptType="sibTrans" op="equ"/>
+        </dgm:constrLst>
+        <dgm:ruleLst/>
+        <dgm:forEach name="Name18" axis="ch" ptType="node">
+          <dgm:layoutNode name="parTxOnly">
+            <dgm:varLst>
+              <dgm:bulletEnabled val="1"/>
+            </dgm:varLst>
+            <dgm:alg type="tx"/>
+            <dgm:presOf axis="desOrSelf" ptType="node"/>
+            <dgm:choose name="Name19">
+              <dgm:if name="Name20" func="var" arg="dir" op="equ" val="norm">
+                <dgm:choose name="Name21">
+                  <dgm:if name="Name22" axis="self" ptType="node" func="pos" op="equ" val="1">
+                    <dgm:shape xmlns:r="http://schemas.openxmlformats.org/officeDocument/2006/relationships" type="homePlate" r:blip="">
+                      <dgm:adjLst/>
+                    </dgm:shape>
+                    <dgm:constrLst>
+                      <dgm:constr type="h" refType="w" op="equ" fact="0.4"/>
+                      <dgm:constr type="primFontSz" val="65"/>
+                      <dgm:constr type="tMarg" refType="primFontSz" fact="0.21"/>
+                      <dgm:constr type="bMarg" refType="primFontSz" fact="0.21"/>
+                      <dgm:constr type="lMarg" refType="primFontSz" fact="0.42"/>
+                      <dgm:constr type="rMarg" refType="primFontSz" fact="0.105"/>
+                    </dgm:constrLst>
+                  </dgm:if>
+                  <dgm:else name="Name23">
+                    <dgm:shape xmlns:r="http://schemas.openxmlformats.org/officeDocument/2006/relationships" type="chevron" r:blip="">
+                      <dgm:adjLst/>
+                    </dgm:shape>
+                    <dgm:constrLst>
+                      <dgm:constr type="h" refType="w" op="equ" fact="0.4"/>
+                      <dgm:constr type="primFontSz" val="65"/>
+                      <dgm:constr type="tMarg" refType="primFontSz" fact="0.21"/>
+                      <dgm:constr type="bMarg" refType="primFontSz" fact="0.21"/>
+                      <dgm:constr type="lMarg" refType="primFontSz" fact="0.315"/>
+                      <dgm:constr type="rMarg" refType="primFontSz" fact="0.105"/>
+                    </dgm:constrLst>
+                  </dgm:else>
+                </dgm:choose>
+              </dgm:if>
+              <dgm:else name="Name24">
+                <dgm:choose name="Name25">
+                  <dgm:if name="Name26" axis="self" ptType="node" func="pos" op="equ" val="1">
+                    <dgm:shape xmlns:r="http://schemas.openxmlformats.org/officeDocument/2006/relationships" rot="180" type="homePlate" r:blip="">
+                      <dgm:adjLst/>
+                    </dgm:shape>
+                    <dgm:constrLst>
+                      <dgm:constr type="h" refType="w" op="equ" fact="0.4"/>
+                      <dgm:constr type="primFontSz" val="65"/>
+                      <dgm:constr type="tMarg" refType="primFontSz" fact="0.21"/>
+                      <dgm:constr type="bMarg" refType="primFontSz" fact="0.21"/>
+                      <dgm:constr type="lMarg" refType="primFontSz" fact="0.105"/>
+                      <dgm:constr type="rMarg" refType="primFontSz" fact="0.42"/>
+                    </dgm:constrLst>
+                  </dgm:if>
+                  <dgm:else name="Name27">
+                    <dgm:shape xmlns:r="http://schemas.openxmlformats.org/officeDocument/2006/relationships" rot="180" type="chevron" r:blip="">
+                      <dgm:adjLst/>
+                    </dgm:shape>
+                    <dgm:constrLst>
+                      <dgm:constr type="h" refType="w" op="equ" fact="0.4"/>
+                      <dgm:constr type="primFontSz" val="65"/>
+                      <dgm:constr type="tMarg" refType="primFontSz" fact="0.21"/>
+                      <dgm:constr type="bMarg" refType="primFontSz" fact="0.21"/>
+                      <dgm:constr type="lMarg" refType="primFontSz" fact="0.105"/>
+                      <dgm:constr type="rMarg" refType="primFontSz" fact="0.315"/>
+                    </dgm:constrLst>
+                  </dgm:else>
+                </dgm:choose>
+              </dgm:else>
+            </dgm:choose>
+            <dgm:ruleLst>
+              <dgm:rule type="primFontSz" val="5" fact="NaN" max="NaN"/>
+            </dgm:ruleLst>
+          </dgm:layoutNode>
+          <dgm:forEach name="Name28" axis="followSib" ptType="sibTrans" cnt="1">
+            <dgm:layoutNode name="parSpace">
+              <dgm:alg type="sp"/>
+              <dgm:shape xmlns:r="http://schemas.openxmlformats.org/officeDocument/2006/relationships" r:blip="">
+                <dgm:adjLst/>
+              </dgm:shape>
+              <dgm:presOf/>
+              <dgm:constrLst/>
+              <dgm:ruleLst/>
+            </dgm:layoutNode>
+          </dgm:forEach>
+        </dgm:forEach>
+      </dgm:else>
+    </dgm:choose>
+  </dgm:layoutNode>
+</dgm:layoutDef>
+</file>
+
+<file path=ppt/diagrams/quickStyle1.xml><?xml version="1.0" encoding="utf-8"?>
+<dgm:styleDef xmlns:dgm="http://schemas.openxmlformats.org/drawingml/2006/diagram" xmlns:a="http://schemas.openxmlformats.org/drawingml/2006/main" uniqueId="urn:microsoft.com/office/officeart/2005/8/quickstyle/simple1">
+  <dgm:title val=""/>
+  <dgm:desc val=""/>
+  <dgm:catLst>
+    <dgm:cat type="simple" pri="10100"/>
+  </dgm:catLst>
+  <dgm:scene3d>
+    <a:camera prst="orthographicFront"/>
+    <a:lightRig rig="threePt" dir="t"/>
+  </dgm:scene3d>
+  <dgm:styleLbl name="node0">
+    <dgm:scene3d>
+      <a:camera prst="orthographicFront"/>
+      <a:lightRig rig="threePt" dir="t"/>
+    </dgm:scene3d>
+    <dgm:sp3d/>
+    <dgm:txPr/>
+    <dgm:style>
+      <a:lnRef idx="2">
+        <a:scrgbClr r="0" g="0" b="0"/>
+      </a:lnRef>
+      <a:fillRef idx="1">
+        <a:scrgbClr r="0" g="0" b="0"/>
+      </a:fillRef>
+      <a:effectRef idx="0">
+        <a:scrgbClr r="0" g="0" b="0"/>
+      </a:effectRef>
+      <a:fontRef idx="minor">
+        <a:schemeClr val="lt1"/>
+      </a:fontRef>
+    </dgm:style>
+  </dgm:styleLbl>
+  <dgm:styleLbl name="lnNode1">
+    <dgm:scene3d>
+      <a:camera prst="orthographicFront"/>
+      <a:lightRig rig="threePt" dir="t"/>
+    </dgm:scene3d>
+    <dgm:sp3d/>
+    <dgm:txPr/>
+    <dgm:style>
+      <a:lnRef idx="2">
+        <a:scrgbClr r="0" g="0" b="0"/>
+      </a:lnRef>
+      <a:fillRef idx="1">
+        <a:scrgbClr r="0" g="0" b="0"/>
+      </a:fillRef>
+      <a:effectRef idx="0">
+        <a:scrgbClr r="0" g="0" b="0"/>
+      </a:effectRef>
+      <a:fontRef idx="minor">
+        <a:schemeClr val="lt1"/>
+      </a:fontRef>
+    </dgm:style>
+  </dgm:styleLbl>
+  <dgm:styleLbl name="vennNode1">
+    <dgm:scene3d>
+      <a:camera prst="orthographicFront"/>
+      <a:lightRig rig="threePt" dir="t"/>
+    </dgm:scene3d>
+    <dgm:sp3d/>
+    <dgm:txPr/>
+    <dgm:style>
+      <a:lnRef idx="2">
+        <a:scrgbClr r="0" g="0" b="0"/>
+      </a:lnRef>
+      <a:fillRef idx="1">
+        <a:scrgbClr r="0" g="0" b="0"/>
+      </a:fillRef>
+      <a:effectRef idx="0">
+        <a:scrgbClr r="0" g="0" b="0"/>
+      </a:effectRef>
+      <a:fontRef idx="minor">
+        <a:schemeClr val="tx1"/>
+      </a:fontRef>
+    </dgm:style>
+  </dgm:styleLbl>
+  <dgm:styleLbl name="alignNode1">
+    <dgm:scene3d>
+      <a:camera prst="orthographicFront"/>
+      <a:lightRig rig="threePt" dir="t"/>
+    </dgm:scene3d>
+    <dgm:sp3d/>
+    <dgm:txPr/>
+    <dgm:style>
+      <a:lnRef idx="2">
+        <a:scrgbClr r="0" g="0" b="0"/>
+      </a:lnRef>
+      <a:fillRef idx="1">
+        <a:scrgbClr r="0" g="0" b="0"/>
+      </a:fillRef>
+      <a:effectRef idx="0">
+        <a:scrgbClr r="0" g="0" b="0"/>
+      </a:effectRef>
+      <a:fontRef idx="minor">
+        <a:schemeClr val="lt1"/>
+      </a:fontRef>
+    </dgm:style>
+  </dgm:styleLbl>
+  <dgm:styleLbl name="node1">
+    <dgm:scene3d>
+      <a:camera prst="orthographicFront"/>
+      <a:lightRig rig="threePt" dir="t"/>
+    </dgm:scene3d>
+    <dgm:sp3d/>
+    <dgm:txPr/>
+    <dgm:style>
+      <a:lnRef idx="2">
+        <a:scrgbClr r="0" g="0" b="0"/>
+      </a:lnRef>
+      <a:fillRef idx="1">
+        <a:scrgbClr r="0" g="0" b="0"/>
+      </a:fillRef>
+      <a:effectRef idx="0">
+        <a:scrgbClr r="0" g="0" b="0"/>
+      </a:effectRef>
+      <a:fontRef idx="minor">
+        <a:schemeClr val="lt1"/>
+      </a:fontRef>
+    </dgm:style>
+  </dgm:styleLbl>
+  <dgm:styleLbl name="node2">
+    <dgm:scene3d>
+      <a:camera prst="orthographicFront"/>
+      <a:lightRig rig="threePt" dir="t"/>
+    </dgm:scene3d>
+    <dgm:sp3d/>
+    <dgm:txPr/>
+    <dgm:style>
+      <a:lnRef idx="2">
+        <a:scrgbClr r="0" g="0" b="0"/>
+      </a:lnRef>
+      <a:fillRef idx="1">
+        <a:scrgbClr r="0" g="0" b="0"/>
+      </a:fillRef>
+      <a:effectRef idx="0">
+        <a:scrgbClr r="0" g="0" b="0"/>
+      </a:effectRef>
+      <a:fontRef idx="minor">
+        <a:schemeClr val="lt1"/>
+      </a:fontRef>
+    </dgm:style>
+  </dgm:styleLbl>
+  <dgm:styleLbl name="node3">
+    <dgm:scene3d>
+      <a:camera prst="orthographicFront"/>
+      <a:lightRig rig="threePt" dir="t"/>
+    </dgm:scene3d>
+    <dgm:sp3d/>
+    <dgm:txPr/>
+    <dgm:style>
+      <a:lnRef idx="2">
+        <a:scrgbClr r="0" g="0" b="0"/>
+      </a:lnRef>
+      <a:fillRef idx="1">
+        <a:scrgbClr r="0" g="0" b="0"/>
+      </a:fillRef>
+      <a:effectRef idx="0">
+        <a:scrgbClr r="0" g="0" b="0"/>
+      </a:effectRef>
+      <a:fontRef idx="minor">
+        <a:schemeClr val="lt1"/>
+      </a:fontRef>
+    </dgm:style>
+  </dgm:styleLbl>
+  <dgm:styleLbl name="node4">
+    <dgm:scene3d>
+      <a:camera prst="orthographicFront"/>
+      <a:lightRig rig="threePt" dir="t"/>
+    </dgm:scene3d>
+    <dgm:sp3d/>
+    <dgm:txPr/>
+    <dgm:style>
+      <a:lnRef idx="2">
+        <a:scrgbClr r="0" g="0" b="0"/>
+      </a:lnRef>
+      <a:fillRef idx="1">
+        <a:scrgbClr r="0" g="0" b="0"/>
+      </a:fillRef>
+      <a:effectRef idx="0">
+        <a:scrgbClr r="0" g="0" b="0"/>
+      </a:effectRef>
+      <a:fontRef idx="minor">
+        <a:schemeClr val="lt1"/>
+      </a:fontRef>
+    </dgm:style>
+  </dgm:styleLbl>
+  <dgm:styleLbl name="fgImgPlace1">
+    <dgm:scene3d>
+      <a:camera prst="orthographicFront"/>
+      <a:lightRig rig="threePt" dir="t"/>
+    </dgm:scene3d>
+    <dgm:sp3d/>
+    <dgm:txPr/>
+    <dgm:style>
+      <a:lnRef idx="2">
+        <a:scrgbClr r="0" g="0" b="0"/>
+      </a:lnRef>
+      <a:fillRef idx="1">
+        <a:scrgbClr r="0" g="0" b="0"/>
+      </a:fillRef>
+      <a:effectRef idx="0">
+        <a:scrgbClr r="0" g="0" b="0"/>
+      </a:effectRef>
+      <a:fontRef idx="minor"/>
+    </dgm:style>
+  </dgm:styleLbl>
+  <dgm:styleLbl name="alignImgPlace1">
+    <dgm:scene3d>
+      <a:camera prst="orthographicFront"/>
+      <a:lightRig rig="threePt" dir="t"/>
+    </dgm:scene3d>
+    <dgm:sp3d/>
+    <dgm:txPr/>
+    <dgm:style>
+      <a:lnRef idx="2">
+        <a:scrgbClr r="0" g="0" b="0"/>
+      </a:lnRef>
+      <a:fillRef idx="1">
+        <a:scrgbClr r="0" g="0" b="0"/>
+      </a:fillRef>
+      <a:effectRef idx="0">
+        <a:scrgbClr r="0" g="0" b="0"/>
+      </a:effectRef>
+      <a:fontRef idx="minor"/>
+    </dgm:style>
+  </dgm:styleLbl>
+  <dgm:styleLbl name="bgImgPlace1">
+    <dgm:scene3d>
+      <a:camera prst="orthographicFront"/>
+      <a:lightRig rig="threePt" dir="t"/>
+    </dgm:scene3d>
+    <dgm:sp3d/>
+    <dgm:txPr/>
+    <dgm:style>
+      <a:lnRef idx="2">
+        <a:scrgbClr r="0" g="0" b="0"/>
+      </a:lnRef>
+      <a:fillRef idx="1">
+        <a:scrgbClr r="0" g="0" b="0"/>
+      </a:fillRef>
+      <a:effectRef idx="0">
+        <a:scrgbClr r="0" g="0" b="0"/>
+      </a:effectRef>
+      <a:fontRef idx="minor"/>
+    </dgm:style>
+  </dgm:styleLbl>
+  <dgm:styleLbl name="sibTrans2D1">
+    <dgm:scene3d>
+      <a:camera prst="orthographicFront"/>
+      <a:lightRig rig="threePt" dir="t"/>
+    </dgm:scene3d>
+    <dgm:sp3d/>
+    <dgm:txPr/>
+    <dgm:style>
+      <a:lnRef idx="0">
+        <a:scrgbClr r="0" g="0" b="0"/>
+      </a:lnRef>
+      <a:fillRef idx="1">
+        <a:scrgbClr r="0" g="0" b="0"/>
+      </a:fillRef>
+      <a:effectRef idx="0">
+        <a:scrgbClr r="0" g="0" b="0"/>
+      </a:effectRef>
+      <a:fontRef idx="minor">
+        <a:schemeClr val="lt1"/>
+      </a:fontRef>
+    </dgm:style>
+  </dgm:styleLbl>
+  <dgm:styleLbl name="fgSibTrans2D1">
+    <dgm:scene3d>
+      <a:camera prst="orthographicFront"/>
+      <a:lightRig rig="threePt" dir="t"/>
+    </dgm:scene3d>
+    <dgm:sp3d/>
+    <dgm:txPr/>
+    <dgm:style>
+      <a:lnRef idx="0">
+        <a:scrgbClr r="0" g="0" b="0"/>
+      </a:lnRef>
+      <a:fillRef idx="1">
+        <a:scrgbClr r="0" g="0" b="0"/>
+      </a:fillRef>
+      <a:effectRef idx="0">
+        <a:scrgbClr r="0" g="0" b="0"/>
+      </a:effectRef>
+      <a:fontRef idx="minor">
+        <a:schemeClr val="lt1"/>
+      </a:fontRef>
+    </dgm:style>
+  </dgm:styleLbl>
+  <dgm:styleLbl name="bgSibTrans2D1">
+    <dgm:scene3d>
+      <a:camera prst="orthographicFront"/>
+      <a:lightRig rig="threePt" dir="t"/>
+    </dgm:scene3d>
+    <dgm:sp3d/>
+    <dgm:txPr/>
+    <dgm:style>
+      <a:lnRef idx="0">
+        <a:scrgbClr r="0" g="0" b="0"/>
+      </a:lnRef>
+      <a:fillRef idx="1">
+        <a:scrgbClr r="0" g="0" b="0"/>
+      </a:fillRef>
+      <a:effectRef idx="0">
+        <a:scrgbClr r="0" g="0" b="0"/>
+      </a:effectRef>
+      <a:fontRef idx="minor">
+        <a:schemeClr val="lt1"/>
+      </a:fontRef>
+    </dgm:style>
+  </dgm:styleLbl>
+  <dgm:styleLbl name="sibTrans1D1">
+    <dgm:scene3d>
+      <a:camera prst="orthographicFront"/>
+      <a:lightRig rig="threePt" dir="t"/>
+    </dgm:scene3d>
+    <dgm:sp3d/>
+    <dgm:txPr/>
+    <dgm:style>
+      <a:lnRef idx="1">
+        <a:scrgbClr r="0" g="0" b="0"/>
+      </a:lnRef>
+      <a:fillRef idx="0">
+        <a:scrgbClr r="0" g="0" b="0"/>
+      </a:fillRef>
+      <a:effectRef idx="0">
+        <a:scrgbClr r="0" g="0" b="0"/>
+      </a:effectRef>
+      <a:fontRef idx="minor"/>
+    </dgm:style>
+  </dgm:styleLbl>
+  <dgm:styleLbl name="callout">
+    <dgm:scene3d>
+      <a:camera prst="orthographicFront"/>
+      <a:lightRig rig="threePt" dir="t"/>
+    </dgm:scene3d>
+    <dgm:sp3d/>
+    <dgm:txPr/>
+    <dgm:style>
+      <a:lnRef idx="2">
+        <a:scrgbClr r="0" g="0" b="0"/>
+      </a:lnRef>
+      <a:fillRef idx="1">
+        <a:scrgbClr r="0" g="0" b="0"/>
+      </a:fillRef>
+      <a:effectRef idx="0">
+        <a:scrgbClr r="0" g="0" b="0"/>
+      </a:effectRef>
+      <a:fontRef idx="minor"/>
+    </dgm:style>
+  </dgm:styleLbl>
+  <dgm:styleLbl name="asst0">
+    <dgm:scene3d>
+      <a:camera prst="orthographicFront"/>
+      <a:lightRig rig="threePt" dir="t"/>
+    </dgm:scene3d>
+    <dgm:sp3d/>
+    <dgm:txPr/>
+    <dgm:style>
+      <a:lnRef idx="2">
+        <a:scrgbClr r="0" g="0" b="0"/>
+      </a:lnRef>
+      <a:fillRef idx="1">
+        <a:scrgbClr r="0" g="0" b="0"/>
+      </a:fillRef>
+      <a:effectRef idx="0">
+        <a:scrgbClr r="0" g="0" b="0"/>
+      </a:effectRef>
+      <a:fontRef idx="minor">
+        <a:schemeClr val="lt1"/>
+      </a:fontRef>
+    </dgm:style>
+  </dgm:styleLbl>
+  <dgm:styleLbl name="asst1">
+    <dgm:scene3d>
+      <a:camera prst="orthographicFront"/>
+      <a:lightRig rig="threePt" dir="t"/>
+    </dgm:scene3d>
+    <dgm:sp3d/>
+    <dgm:txPr/>
+    <dgm:style>
+      <a:lnRef idx="2">
+        <a:scrgbClr r="0" g="0" b="0"/>
+      </a:lnRef>
+      <a:fillRef idx="1">
+        <a:scrgbClr r="0" g="0" b="0"/>
+      </a:fillRef>
+      <a:effectRef idx="0">
+        <a:scrgbClr r="0" g="0" b="0"/>
+      </a:effectRef>
+      <a:fontRef idx="minor">
+        <a:schemeClr val="lt1"/>
+      </a:fontRef>
+    </dgm:style>
+  </dgm:styleLbl>
+  <dgm:styleLbl name="asst2">
+    <dgm:scene3d>
+      <a:camera prst="orthographicFront"/>
+      <a:lightRig rig="threePt" dir="t"/>
+    </dgm:scene3d>
+    <dgm:sp3d/>
+    <dgm:txPr/>
+    <dgm:style>
+      <a:lnRef idx="2">
+        <a:scrgbClr r="0" g="0" b="0"/>
+      </a:lnRef>
+      <a:fillRef idx="1">
+        <a:scrgbClr r="0" g="0" b="0"/>
+      </a:fillRef>
+      <a:effectRef idx="0">
+        <a:scrgbClr r="0" g="0" b="0"/>
+      </a:effectRef>
+      <a:fontRef idx="minor">
+        <a:schemeClr val="lt1"/>
+      </a:fontRef>
+    </dgm:style>
+  </dgm:styleLbl>
+  <dgm:styleLbl name="asst3">
+    <dgm:scene3d>
+      <a:camera prst="orthographicFront"/>
+      <a:lightRig rig="threePt" dir="t"/>
+    </dgm:scene3d>
+    <dgm:sp3d/>
+    <dgm:txPr/>
+    <dgm:style>
+      <a:lnRef idx="2">
+        <a:scrgbClr r="0" g="0" b="0"/>
+      </a:lnRef>
+      <a:fillRef idx="1">
+        <a:scrgbClr r="0" g="0" b="0"/>
+      </a:fillRef>
+      <a:effectRef idx="0">
+        <a:scrgbClr r="0" g="0" b="0"/>
+      </a:effectRef>
+      <a:fontRef idx="minor">
+        <a:schemeClr val="lt1"/>
+      </a:fontRef>
+    </dgm:style>
+  </dgm:styleLbl>
+  <dgm:styleLbl name="asst4">
+    <dgm:scene3d>
+      <a:camera prst="orthographicFront"/>
+      <a:lightRig rig="threePt" dir="t"/>
+    </dgm:scene3d>
+    <dgm:sp3d/>
+    <dgm:txPr/>
+    <dgm:style>
+      <a:lnRef idx="2">
+        <a:scrgbClr r="0" g="0" b="0"/>
+      </a:lnRef>
+      <a:fillRef idx="1">
+        <a:scrgbClr r="0" g="0" b="0"/>
+      </a:fillRef>
+      <a:effectRef idx="0">
+        <a:scrgbClr r="0" g="0" b="0"/>
+      </a:effectRef>
+      <a:fontRef idx="minor">
+        <a:schemeClr val="lt1"/>
+      </a:fontRef>
+    </dgm:style>
+  </dgm:styleLbl>
+  <dgm:styleLbl name="parChTrans2D1">
+    <dgm:scene3d>
+      <a:camera prst="orthographicFront"/>
+      <a:lightRig rig="threePt" dir="t"/>
+    </dgm:scene3d>
+    <dgm:sp3d/>
+    <dgm:txPr/>
+    <dgm:style>
+      <a:lnRef idx="2">
+        <a:scrgbClr r="0" g="0" b="0"/>
+      </a:lnRef>
+      <a:fillRef idx="1">
+        <a:scrgbClr r="0" g="0" b="0"/>
+      </a:fillRef>
+      <a:effectRef idx="0">
+        <a:scrgbClr r="0" g="0" b="0"/>
+      </a:effectRef>
+      <a:fontRef idx="minor">
+        <a:schemeClr val="lt1"/>
+      </a:fontRef>
+    </dgm:style>
+  </dgm:styleLbl>
+  <dgm:styleLbl name="parChTrans2D2">
+    <dgm:scene3d>
+      <a:camera prst="orthographicFront"/>
+      <a:lightRig rig="threePt" dir="t"/>
+    </dgm:scene3d>
+    <dgm:sp3d/>
+    <dgm:txPr/>
+    <dgm:style>
+      <a:lnRef idx="2">
+        <a:scrgbClr r="0" g="0" b="0"/>
+      </a:lnRef>
+      <a:fillRef idx="1">
+        <a:scrgbClr r="0" g="0" b="0"/>
+      </a:fillRef>
+      <a:effectRef idx="0">
+        <a:scrgbClr r="0" g="0" b="0"/>
+      </a:effectRef>
+      <a:fontRef idx="minor">
+        <a:schemeClr val="lt1"/>
+      </a:fontRef>
+    </dgm:style>
+  </dgm:styleLbl>
+  <dgm:styleLbl name="parChTrans2D3">
+    <dgm:scene3d>
+      <a:camera prst="orthographicFront"/>
+      <a:lightRig rig="threePt" dir="t"/>
+    </dgm:scene3d>
+    <dgm:sp3d/>
+    <dgm:txPr/>
+    <dgm:style>
+      <a:lnRef idx="2">
+        <a:scrgbClr r="0" g="0" b="0"/>
+      </a:lnRef>
+      <a:fillRef idx="1">
+        <a:scrgbClr r="0" g="0" b="0"/>
+      </a:fillRef>
+      <a:effectRef idx="0">
+        <a:scrgbClr r="0" g="0" b="0"/>
+      </a:effectRef>
+      <a:fontRef idx="minor">
+        <a:schemeClr val="lt1"/>
+      </a:fontRef>
+    </dgm:style>
+  </dgm:styleLbl>
+  <dgm:styleLbl name="parChTrans2D4">
+    <dgm:scene3d>
+      <a:camera prst="orthographicFront"/>
+      <a:lightRig rig="threePt" dir="t"/>
+    </dgm:scene3d>
+    <dgm:sp3d/>
+    <dgm:txPr/>
+    <dgm:style>
+      <a:lnRef idx="2">
+        <a:scrgbClr r="0" g="0" b="0"/>
+      </a:lnRef>
+      <a:fillRef idx="1">
+        <a:scrgbClr r="0" g="0" b="0"/>
+      </a:fillRef>
+      <a:effectRef idx="0">
+        <a:scrgbClr r="0" g="0" b="0"/>
+      </a:effectRef>
+      <a:fontRef idx="minor">
+        <a:schemeClr val="lt1"/>
+      </a:fontRef>
+    </dgm:style>
+  </dgm:styleLbl>
+  <dgm:styleLbl name="parChTrans1D1">
+    <dgm:scene3d>
+      <a:camera prst="orthographicFront"/>
+      <a:lightRig rig="threePt" dir="t"/>
+    </dgm:scene3d>
+    <dgm:sp3d/>
+    <dgm:txPr/>
+    <dgm:style>
+      <a:lnRef idx="2">
+        <a:scrgbClr r="0" g="0" b="0"/>
+      </a:lnRef>
+      <a:fillRef idx="0">
+        <a:scrgbClr r="0" g="0" b="0"/>
+      </a:fillRef>
+      <a:effectRef idx="0">
+        <a:scrgbClr r="0" g="0" b="0"/>
+      </a:effectRef>
+      <a:fontRef idx="minor"/>
+    </dgm:style>
+  </dgm:styleLbl>
+  <dgm:styleLbl name="parChTrans1D2">
+    <dgm:scene3d>
+      <a:camera prst="orthographicFront"/>
+      <a:lightRig rig="threePt" dir="t"/>
+    </dgm:scene3d>
+    <dgm:sp3d/>
+    <dgm:txPr/>
+    <dgm:style>
+      <a:lnRef idx="2">
+        <a:scrgbClr r="0" g="0" b="0"/>
+      </a:lnRef>
+      <a:fillRef idx="0">
+        <a:scrgbClr r="0" g="0" b="0"/>
+      </a:fillRef>
+      <a:effectRef idx="0">
+        <a:scrgbClr r="0" g="0" b="0"/>
+      </a:effectRef>
+      <a:fontRef idx="minor"/>
+    </dgm:style>
+  </dgm:styleLbl>
+  <dgm:styleLbl name="parChTrans1D3">
+    <dgm:scene3d>
+      <a:camera prst="orthographicFront"/>
+      <a:lightRig rig="threePt" dir="t"/>
+    </dgm:scene3d>
+    <dgm:sp3d/>
+    <dgm:txPr/>
+    <dgm:style>
+      <a:lnRef idx="2">
+        <a:scrgbClr r="0" g="0" b="0"/>
+      </a:lnRef>
+      <a:fillRef idx="0">
+        <a:scrgbClr r="0" g="0" b="0"/>
+      </a:fillRef>
+      <a:effectRef idx="0">
+        <a:scrgbClr r="0" g="0" b="0"/>
+      </a:effectRef>
+      <a:fontRef idx="minor"/>
+    </dgm:style>
+  </dgm:styleLbl>
+  <dgm:styleLbl name="parChTrans1D4">
+    <dgm:scene3d>
+      <a:camera prst="orthographicFront"/>
+      <a:lightRig rig="threePt" dir="t"/>
+    </dgm:scene3d>
+    <dgm:sp3d/>
+    <dgm:txPr/>
+    <dgm:style>
+      <a:lnRef idx="2">
+        <a:scrgbClr r="0" g="0" b="0"/>
+      </a:lnRef>
+      <a:fillRef idx="0">
+        <a:scrgbClr r="0" g="0" b="0"/>
+      </a:fillRef>
+      <a:effectRef idx="0">
+        <a:scrgbClr r="0" g="0" b="0"/>
+      </a:effectRef>
+      <a:fontRef idx="minor"/>
+    </dgm:style>
+  </dgm:styleLbl>
+  <dgm:styleLbl name="fgAcc1">
+    <dgm:scene3d>
+      <a:camera prst="orthographicFront"/>
+      <a:lightRig rig="threePt" dir="t"/>
+    </dgm:scene3d>
+    <dgm:sp3d/>
+    <dgm:txPr/>
+    <dgm:style>
+      <a:lnRef idx="2">
+        <a:scrgbClr r="0" g="0" b="0"/>
+      </a:lnRef>
+      <a:fillRef idx="1">
+        <a:scrgbClr r="0" g="0" b="0"/>
+      </a:fillRef>
+      <a:effectRef idx="0">
+        <a:scrgbClr r="0" g="0" b="0"/>
+      </a:effectRef>
+      <a:fontRef idx="minor"/>
+    </dgm:style>
+  </dgm:styleLbl>
+  <dgm:styleLbl name="conFgAcc1">
+    <dgm:scene3d>
+      <a:camera prst="orthographicFront"/>
+      <a:lightRig rig="threePt" dir="t"/>
+    </dgm:scene3d>
+    <dgm:sp3d/>
+    <dgm:txPr/>
+    <dgm:style>
+      <a:lnRef idx="2">
+        <a:scrgbClr r="0" g="0" b="0"/>
+      </a:lnRef>
+      <a:fillRef idx="1">
+        <a:scrgbClr r="0" g="0" b="0"/>
+      </a:fillRef>
+      <a:effectRef idx="0">
+        <a:scrgbClr r="0" g="0" b="0"/>
+      </a:effectRef>
+      <a:fontRef idx="minor"/>
+    </dgm:style>
+  </dgm:styleLbl>
+  <dgm:styleLbl name="alignAcc1">
+    <dgm:scene3d>
+      <a:camera prst="orthographicFront"/>
+      <a:lightRig rig="threePt" dir="t"/>
+    </dgm:scene3d>
+    <dgm:sp3d/>
+    <dgm:txPr/>
+    <dgm:style>
+      <a:lnRef idx="2">
+        <a:scrgbClr r="0" g="0" b="0"/>
+      </a:lnRef>
+      <a:fillRef idx="1">
+        <a:scrgbClr r="0" g="0" b="0"/>
+      </a:fillRef>
+      <a:effectRef idx="0">
+        <a:scrgbClr r="0" g="0" b="0"/>
+      </a:effectRef>
+      <a:fontRef idx="minor"/>
+    </dgm:style>
+  </dgm:styleLbl>
+  <dgm:styleLbl name="trAlignAcc1">
+    <dgm:scene3d>
+      <a:camera prst="orthographicFront"/>
+      <a:lightRig rig="threePt" dir="t"/>
+    </dgm:scene3d>
+    <dgm:sp3d/>
+    <dgm:txPr/>
+    <dgm:style>
+      <a:lnRef idx="1">
+        <a:scrgbClr r="0" g="0" b="0"/>
+      </a:lnRef>
+      <a:fillRef idx="1">
+        <a:scrgbClr r="0" g="0" b="0"/>
+      </a:fillRef>
+      <a:effectRef idx="0">
+        <a:scrgbClr r="0" g="0" b="0"/>
+      </a:effectRef>
+      <a:fontRef idx="minor"/>
+    </dgm:style>
+  </dgm:styleLbl>
+  <dgm:styleLbl name="bgAcc1">
+    <dgm:scene3d>
+      <a:camera prst="orthographicFront"/>
+      <a:lightRig rig="threePt" dir="t"/>
+    </dgm:scene3d>
+    <dgm:sp3d/>
+    <dgm:txPr/>
+    <dgm:style>
+      <a:lnRef idx="2">
+        <a:scrgbClr r="0" g="0" b="0"/>
+      </a:lnRef>
+      <a:fillRef idx="1">
+        <a:scrgbClr r="0" g="0" b="0"/>
+      </a:fillRef>
+      <a:effectRef idx="0">
+        <a:scrgbClr r="0" g="0" b="0"/>
+      </a:effectRef>
+      <a:fontRef idx="minor"/>
+    </dgm:style>
+  </dgm:styleLbl>
+  <dgm:styleLbl name="solidFgAcc1">
+    <dgm:scene3d>
+      <a:camera prst="orthographicFront"/>
+      <a:lightRig rig="threePt" dir="t"/>
+    </dgm:scene3d>
+    <dgm:sp3d/>
+    <dgm:txPr/>
+    <dgm:style>
+      <a:lnRef idx="2">
+        <a:scrgbClr r="0" g="0" b="0"/>
+      </a:lnRef>
+      <a:fillRef idx="1">
+        <a:scrgbClr r="0" g="0" b="0"/>
+      </a:fillRef>
+      <a:effectRef idx="0">
+        <a:scrgbClr r="0" g="0" b="0"/>
+      </a:effectRef>
+      <a:fontRef idx="minor"/>
+    </dgm:style>
+  </dgm:styleLbl>
+  <dgm:styleLbl name="solidAlignAcc1">
+    <dgm:scene3d>
+      <a:camera prst="orthographicFront"/>
+      <a:lightRig rig="threePt" dir="t"/>
+    </dgm:scene3d>
+    <dgm:sp3d/>
+    <dgm:txPr/>
+    <dgm:style>
+      <a:lnRef idx="2">
+        <a:scrgbClr r="0" g="0" b="0"/>
+      </a:lnRef>
+      <a:fillRef idx="1">
+        <a:scrgbClr r="0" g="0" b="0"/>
+      </a:fillRef>
+      <a:effectRef idx="0">
+        <a:scrgbClr r="0" g="0" b="0"/>
+      </a:effectRef>
+      <a:fontRef idx="minor"/>
+    </dgm:style>
+  </dgm:styleLbl>
+  <dgm:styleLbl name="solidBgAcc1">
+    <dgm:scene3d>
+      <a:camera prst="orthographicFront"/>
+      <a:lightRig rig="threePt" dir="t"/>
+    </dgm:scene3d>
+    <dgm:sp3d/>
+    <dgm:txPr/>
+    <dgm:style>
+      <a:lnRef idx="2">
+        <a:scrgbClr r="0" g="0" b="0"/>
+      </a:lnRef>
+      <a:fillRef idx="1">
+        <a:scrgbClr r="0" g="0" b="0"/>
+      </a:fillRef>
+      <a:effectRef idx="0">
+        <a:scrgbClr r="0" g="0" b="0"/>
+      </a:effectRef>
+      <a:fontRef idx="minor"/>
+    </dgm:style>
+  </dgm:styleLbl>
+  <dgm:styleLbl name="fgAccFollowNode1">
+    <dgm:scene3d>
+      <a:camera prst="orthographicFront"/>
+      <a:lightRig rig="threePt" dir="t"/>
+    </dgm:scene3d>
+    <dgm:sp3d/>
+    <dgm:txPr/>
+    <dgm:style>
+      <a:lnRef idx="2">
+        <a:scrgbClr r="0" g="0" b="0"/>
+      </a:lnRef>
+      <a:fillRef idx="1">
+        <a:scrgbClr r="0" g="0" b="0"/>
+      </a:fillRef>
+      <a:effectRef idx="0">
+        <a:scrgbClr r="0" g="0" b="0"/>
+      </a:effectRef>
+      <a:fontRef idx="minor"/>
+    </dgm:style>
+  </dgm:styleLbl>
+  <dgm:styleLbl name="alignAccFollowNode1">
+    <dgm:scene3d>
+      <a:camera prst="orthographicFront"/>
+      <a:lightRig rig="threePt" dir="t"/>
+    </dgm:scene3d>
+    <dgm:sp3d/>
+    <dgm:txPr/>
+    <dgm:style>
+      <a:lnRef idx="2">
+        <a:scrgbClr r="0" g="0" b="0"/>
+      </a:lnRef>
+      <a:fillRef idx="1">
+        <a:scrgbClr r="0" g="0" b="0"/>
+      </a:fillRef>
+      <a:effectRef idx="0">
+        <a:scrgbClr r="0" g="0" b="0"/>
+      </a:effectRef>
+      <a:fontRef idx="minor"/>
+    </dgm:style>
+  </dgm:styleLbl>
+  <dgm:styleLbl name="bgAccFollowNode1">
+    <dgm:scene3d>
+      <a:camera prst="orthographicFront"/>
+      <a:lightRig rig="threePt" dir="t"/>
+    </dgm:scene3d>
+    <dgm:sp3d/>
+    <dgm:txPr/>
+    <dgm:style>
+      <a:lnRef idx="2">
+        <a:scrgbClr r="0" g="0" b="0"/>
+      </a:lnRef>
+      <a:fillRef idx="1">
+        <a:scrgbClr r="0" g="0" b="0"/>
+      </a:fillRef>
+      <a:effectRef idx="0">
+        <a:scrgbClr r="0" g="0" b="0"/>
+      </a:effectRef>
+      <a:fontRef idx="minor"/>
+    </dgm:style>
+  </dgm:styleLbl>
+  <dgm:styleLbl name="fgAcc0">
+    <dgm:scene3d>
+      <a:camera prst="orthographicFront"/>
+      <a:lightRig rig="threePt" dir="t"/>
+    </dgm:scene3d>
+    <dgm:sp3d/>
+    <dgm:txPr/>
+    <dgm:style>
+      <a:lnRef idx="2">
+        <a:scrgbClr r="0" g="0" b="0"/>
+      </a:lnRef>
+      <a:fillRef idx="1">
+        <a:scrgbClr r="0" g="0" b="0"/>
+      </a:fillRef>
+      <a:effectRef idx="0">
+        <a:scrgbClr r="0" g="0" b="0"/>
+      </a:effectRef>
+      <a:fontRef idx="minor"/>
+    </dgm:style>
+  </dgm:styleLbl>
+  <dgm:styleLbl name="fgAcc2">
+    <dgm:scene3d>
+      <a:camera prst="orthographicFront"/>
+      <a:lightRig rig="threePt" dir="t"/>
+    </dgm:scene3d>
+    <dgm:sp3d/>
+    <dgm:txPr/>
+    <dgm:style>
+      <a:lnRef idx="2">
+        <a:scrgbClr r="0" g="0" b="0"/>
+      </a:lnRef>
+      <a:fillRef idx="1">
+        <a:scrgbClr r="0" g="0" b="0"/>
+      </a:fillRef>
+      <a:effectRef idx="0">
+        <a:scrgbClr r="0" g="0" b="0"/>
+      </a:effectRef>
+      <a:fontRef idx="minor"/>
+    </dgm:style>
+  </dgm:styleLbl>
+  <dgm:styleLbl name="fgAcc3">
+    <dgm:scene3d>
+      <a:camera prst="orthographicFront"/>
+      <a:lightRig rig="threePt" dir="t"/>
+    </dgm:scene3d>
+    <dgm:sp3d/>
+    <dgm:txPr/>
+    <dgm:style>
+      <a:lnRef idx="2">
+        <a:scrgbClr r="0" g="0" b="0"/>
+      </a:lnRef>
+      <a:fillRef idx="1">
+        <a:scrgbClr r="0" g="0" b="0"/>
+      </a:fillRef>
+      <a:effectRef idx="0">
+        <a:scrgbClr r="0" g="0" b="0"/>
+      </a:effectRef>
+      <a:fontRef idx="minor"/>
+    </dgm:style>
+  </dgm:styleLbl>
+  <dgm:styleLbl name="fgAcc4">
+    <dgm:scene3d>
+      <a:camera prst="orthographicFront"/>
+      <a:lightRig rig="threePt" dir="t"/>
+    </dgm:scene3d>
+    <dgm:sp3d/>
+    <dgm:txPr/>
+    <dgm:style>
+      <a:lnRef idx="2">
+        <a:scrgbClr r="0" g="0" b="0"/>
+      </a:lnRef>
+      <a:fillRef idx="1">
+        <a:scrgbClr r="0" g="0" b="0"/>
+      </a:fillRef>
+      <a:effectRef idx="0">
+        <a:scrgbClr r="0" g="0" b="0"/>
+      </a:effectRef>
+      <a:fontRef idx="minor"/>
+    </dgm:style>
+  </dgm:styleLbl>
+  <dgm:styleLbl name="bgShp">
+    <dgm:scene3d>
+      <a:camera prst="orthographicFront"/>
+      <a:lightRig rig="threePt" dir="t"/>
+    </dgm:scene3d>
+    <dgm:sp3d/>
+    <dgm:txPr/>
+    <dgm:style>
+      <a:lnRef idx="0">
+        <a:scrgbClr r="0" g="0" b="0"/>
+      </a:lnRef>
+      <a:fillRef idx="1">
+        <a:scrgbClr r="0" g="0" b="0"/>
+      </a:fillRef>
+      <a:effectRef idx="0">
+        <a:scrgbClr r="0" g="0" b="0"/>
+      </a:effectRef>
+      <a:fontRef idx="minor"/>
+    </dgm:style>
+  </dgm:styleLbl>
+  <dgm:styleLbl name="dkBgShp">
+    <dgm:scene3d>
+      <a:camera prst="orthographicFront"/>
+      <a:lightRig rig="threePt" dir="t"/>
+    </dgm:scene3d>
+    <dgm:sp3d/>
+    <dgm:txPr/>
+    <dgm:style>
+      <a:lnRef idx="0">
+        <a:scrgbClr r="0" g="0" b="0"/>
+      </a:lnRef>
+      <a:fillRef idx="1">
+        <a:scrgbClr r="0" g="0" b="0"/>
+      </a:fillRef>
+      <a:effectRef idx="0">
+        <a:scrgbClr r="0" g="0" b="0"/>
+      </a:effectRef>
+      <a:fontRef idx="minor"/>
+    </dgm:style>
+  </dgm:styleLbl>
+  <dgm:styleLbl name="trBgShp">
+    <dgm:scene3d>
+      <a:camera prst="orthographicFront"/>
+      <a:lightRig rig="threePt" dir="t"/>
+    </dgm:scene3d>
+    <dgm:sp3d/>
+    <dgm:txPr/>
+    <dgm:style>
+      <a:lnRef idx="0">
+        <a:scrgbClr r="0" g="0" b="0"/>
+      </a:lnRef>
+      <a:fillRef idx="1">
+        <a:scrgbClr r="0" g="0" b="0"/>
+      </a:fillRef>
+      <a:effectRef idx="0">
+        <a:scrgbClr r="0" g="0" b="0"/>
+      </a:effectRef>
+      <a:fontRef idx="minor"/>
+    </dgm:style>
+  </dgm:styleLbl>
+  <dgm:styleLbl name="fgShp">
+    <dgm:scene3d>
+      <a:camera prst="orthographicFront"/>
+      <a:lightRig rig="threePt" dir="t"/>
+    </dgm:scene3d>
+    <dgm:sp3d/>
+    <dgm:txPr/>
+    <dgm:style>
+      <a:lnRef idx="2">
+        <a:scrgbClr r="0" g="0" b="0"/>
+      </a:lnRef>
+      <a:fillRef idx="1">
+        <a:scrgbClr r="0" g="0" b="0"/>
+      </a:fillRef>
+      <a:effectRef idx="0">
+        <a:scrgbClr r="0" g="0" b="0"/>
+      </a:effectRef>
+      <a:fontRef idx="minor"/>
+    </dgm:style>
+  </dgm:styleLbl>
+  <dgm:styleLbl name="revTx">
+    <dgm:scene3d>
+      <a:camera prst="orthographicFront"/>
+      <a:lightRig rig="threePt" dir="t"/>
+    </dgm:scene3d>
+    <dgm:sp3d/>
+    <dgm:txPr/>
+    <dgm:style>
+      <a:lnRef idx="0">
+        <a:scrgbClr r="0" g="0" b="0"/>
+      </a:lnRef>
+      <a:fillRef idx="0">
+        <a:scrgbClr r="0" g="0" b="0"/>
+      </a:fillRef>
+      <a:effectRef idx="0">
+        <a:scrgbClr r="0" g="0" b="0"/>
+      </a:effectRef>
+      <a:fontRef idx="minor"/>
+    </dgm:style>
+  </dgm:styleLbl>
+</dgm:styleDef>
 </file>
 
 <file path=ppt/slideLayouts/slideLayout1.xml><?xml version="1.0" encoding="utf-8"?>
@@ -5924,13 +8792,8 @@
           <a:p>
             <a:r>
               <a:rPr lang="en-US" dirty="0"/>
-              <a:t>This solution allows store employees to maintain focus on in-store customers rather than answering phone calls </a:t>
-            </a:r>
-            <a:r>
-              <a:rPr lang="en-US"/>
-              <a:t>when unnecessary</a:t>
-            </a:r>
-            <a:endParaRPr lang="en-US" dirty="0"/>
+              <a:t>This solution allows store employees to maintain focus on in-store customers rather than answering phone calls when unnecessary</a:t>
+            </a:r>
           </a:p>
         </p:txBody>
       </p:sp>
@@ -5938,6 +8801,457 @@
     <p:extLst>
       <p:ext uri="{BB962C8B-B14F-4D97-AF65-F5344CB8AC3E}">
         <p14:creationId xmlns:p14="http://schemas.microsoft.com/office/powerpoint/2010/main" val="2645822141"/>
+      </p:ext>
+    </p:extLst>
+  </p:cSld>
+  <p:clrMapOvr>
+    <a:masterClrMapping/>
+  </p:clrMapOvr>
+</p:sld>
+</file>
+
+<file path=ppt/slides/slide4.xml><?xml version="1.0" encoding="utf-8"?>
+<p:sld xmlns:a="http://schemas.openxmlformats.org/drawingml/2006/main" xmlns:r="http://schemas.openxmlformats.org/officeDocument/2006/relationships" xmlns:p="http://schemas.openxmlformats.org/presentationml/2006/main">
+  <p:cSld>
+    <p:spTree>
+      <p:nvGrpSpPr>
+        <p:cNvPr id="1" name=""/>
+        <p:cNvGrpSpPr/>
+        <p:nvPr/>
+      </p:nvGrpSpPr>
+      <p:grpSpPr>
+        <a:xfrm>
+          <a:off x="0" y="0"/>
+          <a:ext cx="0" cy="0"/>
+          <a:chOff x="0" y="0"/>
+          <a:chExt cx="0" cy="0"/>
+        </a:xfrm>
+      </p:grpSpPr>
+      <p:sp>
+        <p:nvSpPr>
+          <p:cNvPr id="2" name="Title 1">
+            <a:extLst>
+              <a:ext uri="{FF2B5EF4-FFF2-40B4-BE49-F238E27FC236}">
+                <a16:creationId xmlns:a16="http://schemas.microsoft.com/office/drawing/2014/main" id="{D57CC69D-C58E-401B-A077-935770848F60}"/>
+              </a:ext>
+            </a:extLst>
+          </p:cNvPr>
+          <p:cNvSpPr>
+            <a:spLocks noGrp="1"/>
+          </p:cNvSpPr>
+          <p:nvPr>
+            <p:ph type="title"/>
+          </p:nvPr>
+        </p:nvSpPr>
+        <p:spPr/>
+        <p:txBody>
+          <a:bodyPr/>
+          <a:lstStyle/>
+          <a:p>
+            <a:r>
+              <a:rPr lang="en-US" dirty="0"/>
+              <a:t>The backend</a:t>
+            </a:r>
+          </a:p>
+        </p:txBody>
+      </p:sp>
+      <p:graphicFrame>
+        <p:nvGraphicFramePr>
+          <p:cNvPr id="6" name="Content Placeholder 5">
+            <a:extLst>
+              <a:ext uri="{FF2B5EF4-FFF2-40B4-BE49-F238E27FC236}">
+                <a16:creationId xmlns:a16="http://schemas.microsoft.com/office/drawing/2014/main" id="{C18C5F62-4BE8-4F58-85E3-B782DF73BF54}"/>
+              </a:ext>
+            </a:extLst>
+          </p:cNvPr>
+          <p:cNvGraphicFramePr>
+            <a:graphicFrameLocks noGrp="1"/>
+          </p:cNvGraphicFramePr>
+          <p:nvPr>
+            <p:ph idx="1"/>
+            <p:extLst>
+              <p:ext uri="{D42A27DB-BD31-4B8C-83A1-F6EECF244321}">
+                <p14:modId xmlns:p14="http://schemas.microsoft.com/office/powerpoint/2010/main" val="1114813009"/>
+              </p:ext>
+            </p:extLst>
+          </p:nvPr>
+        </p:nvGraphicFramePr>
+        <p:xfrm>
+          <a:off x="685800" y="2193925"/>
+          <a:ext cx="10820400" cy="4024313"/>
+        </p:xfrm>
+        <a:graphic>
+          <a:graphicData uri="http://schemas.openxmlformats.org/drawingml/2006/diagram">
+            <dgm:relIds xmlns:dgm="http://schemas.openxmlformats.org/drawingml/2006/diagram" xmlns:r="http://schemas.openxmlformats.org/officeDocument/2006/relationships" r:dm="rId2" r:lo="rId3" r:qs="rId4" r:cs="rId5"/>
+          </a:graphicData>
+        </a:graphic>
+      </p:graphicFrame>
+    </p:spTree>
+    <p:extLst>
+      <p:ext uri="{BB962C8B-B14F-4D97-AF65-F5344CB8AC3E}">
+        <p14:creationId xmlns:p14="http://schemas.microsoft.com/office/powerpoint/2010/main" val="2120202288"/>
+      </p:ext>
+    </p:extLst>
+  </p:cSld>
+  <p:clrMapOvr>
+    <a:masterClrMapping/>
+  </p:clrMapOvr>
+</p:sld>
+</file>
+
+<file path=ppt/slides/slide5.xml><?xml version="1.0" encoding="utf-8"?>
+<p:sld xmlns:a="http://schemas.openxmlformats.org/drawingml/2006/main" xmlns:r="http://schemas.openxmlformats.org/officeDocument/2006/relationships" xmlns:p="http://schemas.openxmlformats.org/presentationml/2006/main">
+  <p:cSld>
+    <p:spTree>
+      <p:nvGrpSpPr>
+        <p:cNvPr id="1" name=""/>
+        <p:cNvGrpSpPr/>
+        <p:nvPr/>
+      </p:nvGrpSpPr>
+      <p:grpSpPr>
+        <a:xfrm>
+          <a:off x="0" y="0"/>
+          <a:ext cx="0" cy="0"/>
+          <a:chOff x="0" y="0"/>
+          <a:chExt cx="0" cy="0"/>
+        </a:xfrm>
+      </p:grpSpPr>
+      <p:sp>
+        <p:nvSpPr>
+          <p:cNvPr id="2" name="Title 1">
+            <a:extLst>
+              <a:ext uri="{FF2B5EF4-FFF2-40B4-BE49-F238E27FC236}">
+                <a16:creationId xmlns:a16="http://schemas.microsoft.com/office/drawing/2014/main" id="{BE1A8609-3BAF-4882-B9B4-36FFA8789F05}"/>
+              </a:ext>
+            </a:extLst>
+          </p:cNvPr>
+          <p:cNvSpPr>
+            <a:spLocks noGrp="1"/>
+          </p:cNvSpPr>
+          <p:nvPr>
+            <p:ph type="title"/>
+          </p:nvPr>
+        </p:nvSpPr>
+        <p:spPr/>
+        <p:txBody>
+          <a:bodyPr/>
+          <a:lstStyle/>
+          <a:p>
+            <a:r>
+              <a:rPr lang="en-US" dirty="0"/>
+              <a:t>The Data</a:t>
+            </a:r>
+          </a:p>
+        </p:txBody>
+      </p:sp>
+      <p:sp>
+        <p:nvSpPr>
+          <p:cNvPr id="3" name="Content Placeholder 2">
+            <a:extLst>
+              <a:ext uri="{FF2B5EF4-FFF2-40B4-BE49-F238E27FC236}">
+                <a16:creationId xmlns:a16="http://schemas.microsoft.com/office/drawing/2014/main" id="{BA30F5B3-4562-434B-96B7-4A70233D93C5}"/>
+              </a:ext>
+            </a:extLst>
+          </p:cNvPr>
+          <p:cNvSpPr>
+            <a:spLocks noGrp="1"/>
+          </p:cNvSpPr>
+          <p:nvPr>
+            <p:ph idx="1"/>
+          </p:nvPr>
+        </p:nvSpPr>
+        <p:spPr>
+          <a:xfrm>
+            <a:off x="685800" y="2194560"/>
+            <a:ext cx="10820400" cy="4024125"/>
+          </a:xfrm>
+        </p:spPr>
+        <p:txBody>
+          <a:bodyPr/>
+          <a:lstStyle/>
+          <a:p>
+            <a:r>
+              <a:rPr lang="en-US" dirty="0"/>
+              <a:t>We went to </a:t>
+            </a:r>
+            <a:r>
+              <a:rPr lang="en-US" dirty="0" err="1"/>
+              <a:t>T-mobile</a:t>
+            </a:r>
+            <a:r>
+              <a:rPr lang="en-US" dirty="0"/>
+              <a:t> stores around Atlanta asking them some basic data about their call data.</a:t>
+            </a:r>
+          </a:p>
+          <a:p>
+            <a:pPr lvl="1"/>
+            <a:r>
+              <a:rPr lang="en-US" dirty="0"/>
+              <a:t>The stores we went to said:</a:t>
+            </a:r>
+          </a:p>
+          <a:p>
+            <a:pPr lvl="2"/>
+            <a:r>
+              <a:rPr lang="en-US" dirty="0"/>
+              <a:t>5-30 people call daily</a:t>
+            </a:r>
+          </a:p>
+          <a:p>
+            <a:pPr lvl="2"/>
+            <a:r>
+              <a:rPr lang="en-US" dirty="0"/>
+              <a:t>They usually call about Inventory, Bill Payment, and deals in store</a:t>
+            </a:r>
+          </a:p>
+          <a:p>
+            <a:pPr lvl="2"/>
+            <a:r>
+              <a:rPr lang="en-US" dirty="0"/>
+              <a:t>The calls last from 5 seconds to ~10 minutes depending on the requests asked</a:t>
+            </a:r>
+          </a:p>
+        </p:txBody>
+      </p:sp>
+    </p:spTree>
+    <p:extLst>
+      <p:ext uri="{BB962C8B-B14F-4D97-AF65-F5344CB8AC3E}">
+        <p14:creationId xmlns:p14="http://schemas.microsoft.com/office/powerpoint/2010/main" val="1473288992"/>
+      </p:ext>
+    </p:extLst>
+  </p:cSld>
+  <p:clrMapOvr>
+    <a:masterClrMapping/>
+  </p:clrMapOvr>
+</p:sld>
+</file>
+
+<file path=ppt/slides/slide6.xml><?xml version="1.0" encoding="utf-8"?>
+<p:sld xmlns:a="http://schemas.openxmlformats.org/drawingml/2006/main" xmlns:r="http://schemas.openxmlformats.org/officeDocument/2006/relationships" xmlns:p="http://schemas.openxmlformats.org/presentationml/2006/main">
+  <p:cSld>
+    <p:spTree>
+      <p:nvGrpSpPr>
+        <p:cNvPr id="1" name=""/>
+        <p:cNvGrpSpPr/>
+        <p:nvPr/>
+      </p:nvGrpSpPr>
+      <p:grpSpPr>
+        <a:xfrm>
+          <a:off x="0" y="0"/>
+          <a:ext cx="0" cy="0"/>
+          <a:chOff x="0" y="0"/>
+          <a:chExt cx="0" cy="0"/>
+        </a:xfrm>
+      </p:grpSpPr>
+      <p:sp>
+        <p:nvSpPr>
+          <p:cNvPr id="2" name="Title 1">
+            <a:extLst>
+              <a:ext uri="{FF2B5EF4-FFF2-40B4-BE49-F238E27FC236}">
+                <a16:creationId xmlns:a16="http://schemas.microsoft.com/office/drawing/2014/main" id="{A8752706-0FB4-455B-B201-3131DDD38ED1}"/>
+              </a:ext>
+            </a:extLst>
+          </p:cNvPr>
+          <p:cNvSpPr>
+            <a:spLocks noGrp="1"/>
+          </p:cNvSpPr>
+          <p:nvPr>
+            <p:ph type="title"/>
+          </p:nvPr>
+        </p:nvSpPr>
+        <p:spPr/>
+        <p:txBody>
+          <a:bodyPr/>
+          <a:lstStyle/>
+          <a:p>
+            <a:r>
+              <a:rPr lang="en-US" dirty="0"/>
+              <a:t>The Data</a:t>
+            </a:r>
+          </a:p>
+        </p:txBody>
+      </p:sp>
+      <p:sp>
+        <p:nvSpPr>
+          <p:cNvPr id="3" name="Content Placeholder 2">
+            <a:extLst>
+              <a:ext uri="{FF2B5EF4-FFF2-40B4-BE49-F238E27FC236}">
+                <a16:creationId xmlns:a16="http://schemas.microsoft.com/office/drawing/2014/main" id="{19AFE5B9-6E9E-4909-B7F4-359F85DB95A6}"/>
+              </a:ext>
+            </a:extLst>
+          </p:cNvPr>
+          <p:cNvSpPr>
+            <a:spLocks noGrp="1"/>
+          </p:cNvSpPr>
+          <p:nvPr>
+            <p:ph idx="1"/>
+          </p:nvPr>
+        </p:nvSpPr>
+        <p:spPr/>
+        <p:txBody>
+          <a:bodyPr/>
+          <a:lstStyle/>
+          <a:p>
+            <a:r>
+              <a:rPr lang="en-US" dirty="0"/>
+              <a:t>We also called 45 stores around the country</a:t>
+            </a:r>
+          </a:p>
+          <a:p>
+            <a:pPr lvl="1"/>
+            <a:r>
+              <a:rPr lang="en-US" dirty="0"/>
+              <a:t>We asked: </a:t>
+            </a:r>
+          </a:p>
+          <a:p>
+            <a:pPr lvl="2"/>
+            <a:r>
+              <a:rPr lang="en-US" dirty="0"/>
+              <a:t>Do you have the 32 GB Jet Black iPhone 7+ in stock? What is the cost per month if I have pretty good credit (650)?</a:t>
+            </a:r>
+          </a:p>
+          <a:p>
+            <a:pPr lvl="2"/>
+            <a:r>
+              <a:rPr lang="en-US" dirty="0"/>
+              <a:t>Where is your store located?</a:t>
+            </a:r>
+          </a:p>
+          <a:p>
+            <a:pPr lvl="2"/>
+            <a:r>
+              <a:rPr lang="en-US" dirty="0"/>
+              <a:t>What time do you guys close tomorrow?</a:t>
+            </a:r>
+          </a:p>
+          <a:p>
+            <a:endParaRPr lang="en-US" dirty="0"/>
+          </a:p>
+        </p:txBody>
+      </p:sp>
+      <p:sp>
+        <p:nvSpPr>
+          <p:cNvPr id="4" name="Rectangle 3">
+            <a:extLst>
+              <a:ext uri="{FF2B5EF4-FFF2-40B4-BE49-F238E27FC236}">
+                <a16:creationId xmlns:a16="http://schemas.microsoft.com/office/drawing/2014/main" id="{1FFBF5BC-C542-43EE-AEC9-0E86A989709F}"/>
+              </a:ext>
+            </a:extLst>
+          </p:cNvPr>
+          <p:cNvSpPr/>
+          <p:nvPr/>
+        </p:nvSpPr>
+        <p:spPr>
+          <a:xfrm>
+            <a:off x="3048000" y="2413338"/>
+            <a:ext cx="6096000" cy="369332"/>
+          </a:xfrm>
+          <a:prstGeom prst="rect">
+            <a:avLst/>
+          </a:prstGeom>
+        </p:spPr>
+        <p:txBody>
+          <a:bodyPr>
+            <a:spAutoFit/>
+          </a:bodyPr>
+          <a:lstStyle/>
+          <a:p>
+            <a:endParaRPr lang="en-US" dirty="0"/>
+          </a:p>
+        </p:txBody>
+      </p:sp>
+    </p:spTree>
+    <p:extLst>
+      <p:ext uri="{BB962C8B-B14F-4D97-AF65-F5344CB8AC3E}">
+        <p14:creationId xmlns:p14="http://schemas.microsoft.com/office/powerpoint/2010/main" val="1066107815"/>
+      </p:ext>
+    </p:extLst>
+  </p:cSld>
+  <p:clrMapOvr>
+    <a:masterClrMapping/>
+  </p:clrMapOvr>
+</p:sld>
+</file>
+
+<file path=ppt/slides/slide7.xml><?xml version="1.0" encoding="utf-8"?>
+<p:sld xmlns:a="http://schemas.openxmlformats.org/drawingml/2006/main" xmlns:r="http://schemas.openxmlformats.org/officeDocument/2006/relationships" xmlns:p="http://schemas.openxmlformats.org/presentationml/2006/main">
+  <p:cSld>
+    <p:spTree>
+      <p:nvGrpSpPr>
+        <p:cNvPr id="1" name=""/>
+        <p:cNvGrpSpPr/>
+        <p:nvPr/>
+      </p:nvGrpSpPr>
+      <p:grpSpPr>
+        <a:xfrm>
+          <a:off x="0" y="0"/>
+          <a:ext cx="0" cy="0"/>
+          <a:chOff x="0" y="0"/>
+          <a:chExt cx="0" cy="0"/>
+        </a:xfrm>
+      </p:grpSpPr>
+      <p:sp>
+        <p:nvSpPr>
+          <p:cNvPr id="2" name="Title 1">
+            <a:extLst>
+              <a:ext uri="{FF2B5EF4-FFF2-40B4-BE49-F238E27FC236}">
+                <a16:creationId xmlns:a16="http://schemas.microsoft.com/office/drawing/2014/main" id="{EF49DF3D-37E5-46CF-8781-CE6AF43996E2}"/>
+              </a:ext>
+            </a:extLst>
+          </p:cNvPr>
+          <p:cNvSpPr>
+            <a:spLocks noGrp="1"/>
+          </p:cNvSpPr>
+          <p:nvPr>
+            <p:ph type="title"/>
+          </p:nvPr>
+        </p:nvSpPr>
+        <p:spPr/>
+        <p:txBody>
+          <a:bodyPr/>
+          <a:lstStyle/>
+          <a:p>
+            <a:r>
+              <a:rPr lang="en-US" dirty="0"/>
+              <a:t>Just some stores</a:t>
+            </a:r>
+          </a:p>
+        </p:txBody>
+      </p:sp>
+      <p:pic>
+        <p:nvPicPr>
+          <p:cNvPr id="5" name="Content Placeholder 4" descr="A picture containing text, map&#10;&#10;Description automatically generated">
+            <a:extLst>
+              <a:ext uri="{FF2B5EF4-FFF2-40B4-BE49-F238E27FC236}">
+                <a16:creationId xmlns:a16="http://schemas.microsoft.com/office/drawing/2014/main" id="{BF0680D5-FB16-462E-AADD-48F9BACF657B}"/>
+              </a:ext>
+            </a:extLst>
+          </p:cNvPr>
+          <p:cNvPicPr>
+            <a:picLocks noGrp="1" noChangeAspect="1"/>
+          </p:cNvPicPr>
+          <p:nvPr>
+            <p:ph idx="1"/>
+          </p:nvPr>
+        </p:nvPicPr>
+        <p:blipFill>
+          <a:blip r:embed="rId2"/>
+          <a:stretch>
+            <a:fillRect/>
+          </a:stretch>
+        </p:blipFill>
+        <p:spPr>
+          <a:xfrm>
+            <a:off x="1965431" y="2193925"/>
+            <a:ext cx="8261138" cy="4024313"/>
+          </a:xfrm>
+        </p:spPr>
+      </p:pic>
+    </p:spTree>
+    <p:extLst>
+      <p:ext uri="{BB962C8B-B14F-4D97-AF65-F5344CB8AC3E}">
+        <p14:creationId xmlns:p14="http://schemas.microsoft.com/office/powerpoint/2010/main" val="3168176843"/>
       </p:ext>
     </p:extLst>
   </p:cSld>

--- a/T-Mobile one.pptx
+++ b/T-Mobile one.pptx
@@ -9094,7 +9094,7 @@
           <a:p>
             <a:r>
               <a:rPr lang="en-US" dirty="0"/>
-              <a:t>We also called 45 stores around the country</a:t>
+              <a:t>We also called 30 stores around the country</a:t>
             </a:r>
           </a:p>
           <a:p>
@@ -9191,34 +9191,6 @@
           <a:chExt cx="0" cy="0"/>
         </a:xfrm>
       </p:grpSpPr>
-      <p:sp>
-        <p:nvSpPr>
-          <p:cNvPr id="2" name="Title 1">
-            <a:extLst>
-              <a:ext uri="{FF2B5EF4-FFF2-40B4-BE49-F238E27FC236}">
-                <a16:creationId xmlns:a16="http://schemas.microsoft.com/office/drawing/2014/main" id="{EF49DF3D-37E5-46CF-8781-CE6AF43996E2}"/>
-              </a:ext>
-            </a:extLst>
-          </p:cNvPr>
-          <p:cNvSpPr>
-            <a:spLocks noGrp="1"/>
-          </p:cNvSpPr>
-          <p:nvPr>
-            <p:ph type="title"/>
-          </p:nvPr>
-        </p:nvSpPr>
-        <p:spPr/>
-        <p:txBody>
-          <a:bodyPr/>
-          <a:lstStyle/>
-          <a:p>
-            <a:r>
-              <a:rPr lang="en-US" dirty="0"/>
-              <a:t>Just some stores</a:t>
-            </a:r>
-          </a:p>
-        </p:txBody>
-      </p:sp>
       <p:pic>
         <p:nvPicPr>
           <p:cNvPr id="5" name="Content Placeholder 4" descr="A picture containing text, map&#10;&#10;Description automatically generated">
@@ -9243,8 +9215,8 @@
         </p:blipFill>
         <p:spPr>
           <a:xfrm>
-            <a:off x="1965431" y="2193925"/>
-            <a:ext cx="8261138" cy="4024313"/>
+            <a:off x="150957" y="639193"/>
+            <a:ext cx="11890085" cy="5792110"/>
           </a:xfrm>
         </p:spPr>
       </p:pic>

--- a/T-Mobile one.pptx
+++ b/T-Mobile one.pptx
@@ -6,12 +6,11 @@
   </p:sldMasterIdLst>
   <p:sldIdLst>
     <p:sldId id="256" r:id="rId2"/>
-    <p:sldId id="257" r:id="rId3"/>
-    <p:sldId id="258" r:id="rId4"/>
-    <p:sldId id="259" r:id="rId5"/>
-    <p:sldId id="260" r:id="rId6"/>
-    <p:sldId id="261" r:id="rId7"/>
-    <p:sldId id="262" r:id="rId8"/>
+    <p:sldId id="258" r:id="rId3"/>
+    <p:sldId id="259" r:id="rId4"/>
+    <p:sldId id="260" r:id="rId5"/>
+    <p:sldId id="261" r:id="rId6"/>
+    <p:sldId id="262" r:id="rId7"/>
   </p:sldIdLst>
   <p:sldSz cx="12192000" cy="6858000"/>
   <p:notesSz cx="6858000" cy="9144000"/>
@@ -1011,42 +1010,6 @@
         </a:p>
       </dgm:t>
     </dgm:pt>
-    <dgm:pt modelId="{75EB6D27-7321-462D-A601-B0FD3615EA9D}">
-      <dgm:prSet phldrT="[Text]"/>
-      <dgm:spPr/>
-      <dgm:t>
-        <a:bodyPr/>
-        <a:lstStyle/>
-        <a:p>
-          <a:r>
-            <a:rPr lang="en-US" dirty="0"/>
-            <a:t>Everything gets passed to Azure processing</a:t>
-          </a:r>
-        </a:p>
-      </dgm:t>
-    </dgm:pt>
-    <dgm:pt modelId="{876B059B-82BC-4C73-A2B0-ADF156FC233C}" type="parTrans" cxnId="{84E81599-2077-4D49-9547-CB43566A9662}">
-      <dgm:prSet/>
-      <dgm:spPr/>
-      <dgm:t>
-        <a:bodyPr/>
-        <a:lstStyle/>
-        <a:p>
-          <a:endParaRPr lang="en-US"/>
-        </a:p>
-      </dgm:t>
-    </dgm:pt>
-    <dgm:pt modelId="{A773B523-592D-4879-916B-899DD7F9623A}" type="sibTrans" cxnId="{84E81599-2077-4D49-9547-CB43566A9662}">
-      <dgm:prSet/>
-      <dgm:spPr/>
-      <dgm:t>
-        <a:bodyPr/>
-        <a:lstStyle/>
-        <a:p>
-          <a:endParaRPr lang="en-US"/>
-        </a:p>
-      </dgm:t>
-    </dgm:pt>
     <dgm:pt modelId="{8BA89858-B5AB-4CEA-AA50-053A9DA9AB72}">
       <dgm:prSet phldrT="[Text]"/>
       <dgm:spPr/>
@@ -1093,7 +1056,7 @@
       <dgm:spPr/>
     </dgm:pt>
     <dgm:pt modelId="{204D47EB-DAD7-4D1D-986A-BFEBBA00268B}" type="pres">
-      <dgm:prSet presAssocID="{8F1D1A63-2451-43C5-8DE1-79B93AF85F1B}" presName="parTxOnly" presStyleLbl="node1" presStyleIdx="0" presStyleCnt="6" custScaleX="71817">
+      <dgm:prSet presAssocID="{8F1D1A63-2451-43C5-8DE1-79B93AF85F1B}" presName="parTxOnly" presStyleLbl="node1" presStyleIdx="0" presStyleCnt="5" custScaleX="71817">
         <dgm:presLayoutVars>
           <dgm:bulletEnabled val="1"/>
         </dgm:presLayoutVars>
@@ -1105,7 +1068,7 @@
       <dgm:spPr/>
     </dgm:pt>
     <dgm:pt modelId="{3974F843-86FF-49D3-B20F-5A6C79274B69}" type="pres">
-      <dgm:prSet presAssocID="{7B792048-7869-40A8-8E9A-648648E9A32D}" presName="parTxOnly" presStyleLbl="node1" presStyleIdx="1" presStyleCnt="6">
+      <dgm:prSet presAssocID="{7B792048-7869-40A8-8E9A-648648E9A32D}" presName="parTxOnly" presStyleLbl="node1" presStyleIdx="1" presStyleCnt="5">
         <dgm:presLayoutVars>
           <dgm:bulletEnabled val="1"/>
         </dgm:presLayoutVars>
@@ -1117,7 +1080,7 @@
       <dgm:spPr/>
     </dgm:pt>
     <dgm:pt modelId="{EA97EFFC-4523-4543-BAED-EBBF821112DC}" type="pres">
-      <dgm:prSet presAssocID="{28409DDE-56D7-4DF8-96A0-39896107F18D}" presName="parTxOnly" presStyleLbl="node1" presStyleIdx="2" presStyleCnt="6">
+      <dgm:prSet presAssocID="{28409DDE-56D7-4DF8-96A0-39896107F18D}" presName="parTxOnly" presStyleLbl="node1" presStyleIdx="2" presStyleCnt="5">
         <dgm:presLayoutVars>
           <dgm:bulletEnabled val="1"/>
         </dgm:presLayoutVars>
@@ -1129,7 +1092,7 @@
       <dgm:spPr/>
     </dgm:pt>
     <dgm:pt modelId="{C5F9BE89-3701-4C23-8426-1B32E6D537A5}" type="pres">
-      <dgm:prSet presAssocID="{17730755-051D-4F98-BAC7-A73EBC488D30}" presName="parTxOnly" presStyleLbl="node1" presStyleIdx="3" presStyleCnt="6">
+      <dgm:prSet presAssocID="{17730755-051D-4F98-BAC7-A73EBC488D30}" presName="parTxOnly" presStyleLbl="node1" presStyleIdx="3" presStyleCnt="5">
         <dgm:presLayoutVars>
           <dgm:bulletEnabled val="1"/>
         </dgm:presLayoutVars>
@@ -1140,20 +1103,8 @@
       <dgm:prSet presAssocID="{4132D762-52E8-4D4A-8699-19108B98196D}" presName="parSpace" presStyleCnt="0"/>
       <dgm:spPr/>
     </dgm:pt>
-    <dgm:pt modelId="{9E8A0717-680D-42BD-B904-3FC0A9BA9F09}" type="pres">
-      <dgm:prSet presAssocID="{75EB6D27-7321-462D-A601-B0FD3615EA9D}" presName="parTxOnly" presStyleLbl="node1" presStyleIdx="4" presStyleCnt="6">
-        <dgm:presLayoutVars>
-          <dgm:bulletEnabled val="1"/>
-        </dgm:presLayoutVars>
-      </dgm:prSet>
-      <dgm:spPr/>
-    </dgm:pt>
-    <dgm:pt modelId="{E39F4F0C-1F0B-4EA9-823C-2E8880A42C18}" type="pres">
-      <dgm:prSet presAssocID="{A773B523-592D-4879-916B-899DD7F9623A}" presName="parSpace" presStyleCnt="0"/>
-      <dgm:spPr/>
-    </dgm:pt>
     <dgm:pt modelId="{9D573512-732A-4EA1-B1D0-069DA97D2130}" type="pres">
-      <dgm:prSet presAssocID="{8BA89858-B5AB-4CEA-AA50-053A9DA9AB72}" presName="parTxOnly" presStyleLbl="node1" presStyleIdx="5" presStyleCnt="6">
+      <dgm:prSet presAssocID="{8BA89858-B5AB-4CEA-AA50-053A9DA9AB72}" presName="parTxOnly" presStyleLbl="node1" presStyleIdx="4" presStyleCnt="5">
         <dgm:presLayoutVars>
           <dgm:bulletEnabled val="1"/>
         </dgm:presLayoutVars>
@@ -1162,19 +1113,17 @@
     </dgm:pt>
   </dgm:ptLst>
   <dgm:cxnLst>
-    <dgm:cxn modelId="{FB1EDF1D-494E-4EFF-9D92-28426E216944}" srcId="{0B2BEF1A-98B4-48E9-A744-AD8D5470E975}" destId="{8BA89858-B5AB-4CEA-AA50-053A9DA9AB72}" srcOrd="5" destOrd="0" parTransId="{58F72A3E-E28B-48A7-B008-46FB3A2FD95E}" sibTransId="{13E81A0D-5928-4077-8FC8-CF0ECEED3D85}"/>
+    <dgm:cxn modelId="{FB1EDF1D-494E-4EFF-9D92-28426E216944}" srcId="{0B2BEF1A-98B4-48E9-A744-AD8D5470E975}" destId="{8BA89858-B5AB-4CEA-AA50-053A9DA9AB72}" srcOrd="4" destOrd="0" parTransId="{58F72A3E-E28B-48A7-B008-46FB3A2FD95E}" sibTransId="{13E81A0D-5928-4077-8FC8-CF0ECEED3D85}"/>
     <dgm:cxn modelId="{9D751D23-BADC-4062-9E46-4F4E039D0779}" type="presOf" srcId="{8F1D1A63-2451-43C5-8DE1-79B93AF85F1B}" destId="{204D47EB-DAD7-4D1D-986A-BFEBBA00268B}" srcOrd="0" destOrd="0" presId="urn:microsoft.com/office/officeart/2005/8/layout/hChevron3"/>
     <dgm:cxn modelId="{1A123C29-9D21-4FB7-941C-E0B0CA8317EE}" type="presOf" srcId="{7B792048-7869-40A8-8E9A-648648E9A32D}" destId="{3974F843-86FF-49D3-B20F-5A6C79274B69}" srcOrd="0" destOrd="0" presId="urn:microsoft.com/office/officeart/2005/8/layout/hChevron3"/>
     <dgm:cxn modelId="{2D030B32-81F6-44FC-AD6F-8CE149AD1EB1}" srcId="{0B2BEF1A-98B4-48E9-A744-AD8D5470E975}" destId="{7B792048-7869-40A8-8E9A-648648E9A32D}" srcOrd="1" destOrd="0" parTransId="{4DEA15E0-5AFC-4D05-BFE8-0CAFA216BF33}" sibTransId="{97E2ABFA-2E5B-4949-84BA-A79041A04E91}"/>
     <dgm:cxn modelId="{6245B568-939B-45C5-BA27-43C032E9725F}" type="presOf" srcId="{0B2BEF1A-98B4-48E9-A744-AD8D5470E975}" destId="{B5AB793D-6DEF-405A-9239-8C145958F64F}" srcOrd="0" destOrd="0" presId="urn:microsoft.com/office/officeart/2005/8/layout/hChevron3"/>
     <dgm:cxn modelId="{6930FC6A-1B21-4244-AEA4-8F125D24359B}" srcId="{0B2BEF1A-98B4-48E9-A744-AD8D5470E975}" destId="{17730755-051D-4F98-BAC7-A73EBC488D30}" srcOrd="3" destOrd="0" parTransId="{87DC4CCD-4478-4458-9708-0A0E9F49D4A8}" sibTransId="{4132D762-52E8-4D4A-8699-19108B98196D}"/>
     <dgm:cxn modelId="{CBC6AA52-C31A-433A-827A-8079F41EB6C9}" type="presOf" srcId="{8BA89858-B5AB-4CEA-AA50-053A9DA9AB72}" destId="{9D573512-732A-4EA1-B1D0-069DA97D2130}" srcOrd="0" destOrd="0" presId="urn:microsoft.com/office/officeart/2005/8/layout/hChevron3"/>
-    <dgm:cxn modelId="{84E81599-2077-4D49-9547-CB43566A9662}" srcId="{0B2BEF1A-98B4-48E9-A744-AD8D5470E975}" destId="{75EB6D27-7321-462D-A601-B0FD3615EA9D}" srcOrd="4" destOrd="0" parTransId="{876B059B-82BC-4C73-A2B0-ADF156FC233C}" sibTransId="{A773B523-592D-4879-916B-899DD7F9623A}"/>
     <dgm:cxn modelId="{E9D424A7-9F27-4629-8DF2-6813E99A1329}" srcId="{0B2BEF1A-98B4-48E9-A744-AD8D5470E975}" destId="{8F1D1A63-2451-43C5-8DE1-79B93AF85F1B}" srcOrd="0" destOrd="0" parTransId="{41E3FEBF-9ECB-4CEE-A4E7-B3C189811949}" sibTransId="{1816703C-913C-465E-8EE6-37CA9AE1D993}"/>
     <dgm:cxn modelId="{297FB9B1-4B3F-49FD-B8C2-F108523D63D8}" type="presOf" srcId="{17730755-051D-4F98-BAC7-A73EBC488D30}" destId="{C5F9BE89-3701-4C23-8426-1B32E6D537A5}" srcOrd="0" destOrd="0" presId="urn:microsoft.com/office/officeart/2005/8/layout/hChevron3"/>
     <dgm:cxn modelId="{F883D6BC-476A-4088-93C6-EA1047531247}" type="presOf" srcId="{28409DDE-56D7-4DF8-96A0-39896107F18D}" destId="{EA97EFFC-4523-4543-BAED-EBBF821112DC}" srcOrd="0" destOrd="0" presId="urn:microsoft.com/office/officeart/2005/8/layout/hChevron3"/>
     <dgm:cxn modelId="{0D0D99C7-B269-495F-9AA8-4C5FA4F53044}" srcId="{0B2BEF1A-98B4-48E9-A744-AD8D5470E975}" destId="{28409DDE-56D7-4DF8-96A0-39896107F18D}" srcOrd="2" destOrd="0" parTransId="{4D41418D-670F-4496-AFD8-36CBBF252B78}" sibTransId="{3280141F-D4B1-4BF9-B450-5FA40909F160}"/>
-    <dgm:cxn modelId="{A22855D6-1FCA-4A7A-B30B-3F820713B8C9}" type="presOf" srcId="{75EB6D27-7321-462D-A601-B0FD3615EA9D}" destId="{9E8A0717-680D-42BD-B904-3FC0A9BA9F09}" srcOrd="0" destOrd="0" presId="urn:microsoft.com/office/officeart/2005/8/layout/hChevron3"/>
     <dgm:cxn modelId="{9B73C8E8-CCC6-49D9-BD94-5A5CFE866BC3}" type="presParOf" srcId="{B5AB793D-6DEF-405A-9239-8C145958F64F}" destId="{204D47EB-DAD7-4D1D-986A-BFEBBA00268B}" srcOrd="0" destOrd="0" presId="urn:microsoft.com/office/officeart/2005/8/layout/hChevron3"/>
     <dgm:cxn modelId="{E4F7D2E5-E56B-4D86-8FD2-5DEDB9EC059C}" type="presParOf" srcId="{B5AB793D-6DEF-405A-9239-8C145958F64F}" destId="{81A29B45-177E-40B3-B72A-EC853764D8DC}" srcOrd="1" destOrd="0" presId="urn:microsoft.com/office/officeart/2005/8/layout/hChevron3"/>
     <dgm:cxn modelId="{A0F6E089-F95A-4E91-8E0E-882DB116488A}" type="presParOf" srcId="{B5AB793D-6DEF-405A-9239-8C145958F64F}" destId="{3974F843-86FF-49D3-B20F-5A6C79274B69}" srcOrd="2" destOrd="0" presId="urn:microsoft.com/office/officeart/2005/8/layout/hChevron3"/>
@@ -1183,9 +1132,7 @@
     <dgm:cxn modelId="{0D4BB9D9-29AE-44F9-8B24-7738B6C585BD}" type="presParOf" srcId="{B5AB793D-6DEF-405A-9239-8C145958F64F}" destId="{84A48E4E-07B1-40B8-A4B7-4E18939DA123}" srcOrd="5" destOrd="0" presId="urn:microsoft.com/office/officeart/2005/8/layout/hChevron3"/>
     <dgm:cxn modelId="{A5A3BA3C-9DFD-4596-9F7D-7F29F8ECE833}" type="presParOf" srcId="{B5AB793D-6DEF-405A-9239-8C145958F64F}" destId="{C5F9BE89-3701-4C23-8426-1B32E6D537A5}" srcOrd="6" destOrd="0" presId="urn:microsoft.com/office/officeart/2005/8/layout/hChevron3"/>
     <dgm:cxn modelId="{08943042-5570-4FE5-AD96-9848E4AA5101}" type="presParOf" srcId="{B5AB793D-6DEF-405A-9239-8C145958F64F}" destId="{6D8E287B-5252-4CB0-8C13-C65DC4C224CE}" srcOrd="7" destOrd="0" presId="urn:microsoft.com/office/officeart/2005/8/layout/hChevron3"/>
-    <dgm:cxn modelId="{8D081F08-73E4-4AEC-B059-7C324D52179D}" type="presParOf" srcId="{B5AB793D-6DEF-405A-9239-8C145958F64F}" destId="{9E8A0717-680D-42BD-B904-3FC0A9BA9F09}" srcOrd="8" destOrd="0" presId="urn:microsoft.com/office/officeart/2005/8/layout/hChevron3"/>
-    <dgm:cxn modelId="{01368FDD-B639-49E9-AA51-6F2C1E34B419}" type="presParOf" srcId="{B5AB793D-6DEF-405A-9239-8C145958F64F}" destId="{E39F4F0C-1F0B-4EA9-823C-2E8880A42C18}" srcOrd="9" destOrd="0" presId="urn:microsoft.com/office/officeart/2005/8/layout/hChevron3"/>
-    <dgm:cxn modelId="{23DA5EA8-934D-4830-9341-ACC690A7910B}" type="presParOf" srcId="{B5AB793D-6DEF-405A-9239-8C145958F64F}" destId="{9D573512-732A-4EA1-B1D0-069DA97D2130}" srcOrd="10" destOrd="0" presId="urn:microsoft.com/office/officeart/2005/8/layout/hChevron3"/>
+    <dgm:cxn modelId="{23DA5EA8-934D-4830-9341-ACC690A7910B}" type="presParOf" srcId="{B5AB793D-6DEF-405A-9239-8C145958F64F}" destId="{9D573512-732A-4EA1-B1D0-069DA97D2130}" srcOrd="8" destOrd="0" presId="urn:microsoft.com/office/officeart/2005/8/layout/hChevron3"/>
   </dgm:cxnLst>
   <dgm:bg/>
   <dgm:whole/>
@@ -1212,8 +1159,8 @@
       </dsp:nvSpPr>
       <dsp:spPr>
         <a:xfrm>
-          <a:off x="830" y="1553557"/>
-          <a:ext cx="1646760" cy="917197"/>
+          <a:off x="7172" y="1460569"/>
+          <a:ext cx="1980665" cy="1103173"/>
         </a:xfrm>
         <a:prstGeom prst="homePlate">
           <a:avLst/>
@@ -1254,12 +1201,12 @@
         </a:fontRef>
       </dsp:style>
       <dsp:txBody>
-        <a:bodyPr spcFirstLastPara="0" vert="horz" wrap="square" lIns="69342" tIns="34671" rIns="17336" bIns="34671" numCol="1" spcCol="1270" anchor="ctr" anchorCtr="0">
+        <a:bodyPr spcFirstLastPara="0" vert="horz" wrap="square" lIns="85344" tIns="42672" rIns="21336" bIns="42672" numCol="1" spcCol="1270" anchor="ctr" anchorCtr="0">
           <a:noAutofit/>
         </a:bodyPr>
         <a:lstStyle/>
         <a:p>
-          <a:pPr marL="0" lvl="0" indent="0" algn="ctr" defTabSz="577850">
+          <a:pPr marL="0" lvl="0" indent="0" algn="ctr" defTabSz="711200">
             <a:lnSpc>
               <a:spcPct val="90000"/>
             </a:lnSpc>
@@ -1272,14 +1219,14 @@
             <a:buNone/>
           </a:pPr>
           <a:r>
-            <a:rPr lang="en-US" sz="1300" kern="1200" dirty="0"/>
+            <a:rPr lang="en-US" sz="1600" kern="1200" dirty="0"/>
             <a:t>Customer calls             T-Mobile</a:t>
           </a:r>
         </a:p>
       </dsp:txBody>
       <dsp:txXfrm>
-        <a:off x="830" y="1553557"/>
-        <a:ext cx="1417461" cy="917197"/>
+        <a:off x="7172" y="1460569"/>
+        <a:ext cx="1704872" cy="1103173"/>
       </dsp:txXfrm>
     </dsp:sp>
     <dsp:sp modelId="{3974F843-86FF-49D3-B20F-5A6C79274B69}">
@@ -1289,8 +1236,8 @@
       </dsp:nvSpPr>
       <dsp:spPr>
         <a:xfrm>
-          <a:off x="1188991" y="1553557"/>
-          <a:ext cx="2292994" cy="917197"/>
+          <a:off x="1436251" y="1460569"/>
+          <a:ext cx="2757933" cy="1103173"/>
         </a:xfrm>
         <a:prstGeom prst="chevron">
           <a:avLst/>
@@ -1331,12 +1278,12 @@
         </a:fontRef>
       </dsp:style>
       <dsp:txBody>
-        <a:bodyPr spcFirstLastPara="0" vert="horz" wrap="square" lIns="52007" tIns="34671" rIns="17336" bIns="34671" numCol="1" spcCol="1270" anchor="ctr" anchorCtr="0">
+        <a:bodyPr spcFirstLastPara="0" vert="horz" wrap="square" lIns="64008" tIns="42672" rIns="21336" bIns="42672" numCol="1" spcCol="1270" anchor="ctr" anchorCtr="0">
           <a:noAutofit/>
         </a:bodyPr>
         <a:lstStyle/>
         <a:p>
-          <a:pPr marL="0" lvl="0" indent="0" algn="ctr" defTabSz="577850">
+          <a:pPr marL="0" lvl="0" indent="0" algn="ctr" defTabSz="711200">
             <a:lnSpc>
               <a:spcPct val="90000"/>
             </a:lnSpc>
@@ -1349,14 +1296,14 @@
             <a:buNone/>
           </a:pPr>
           <a:r>
-            <a:rPr lang="en-US" sz="1300" kern="1200" dirty="0"/>
+            <a:rPr lang="en-US" sz="1600" kern="1200" dirty="0"/>
             <a:t>T-Mobile one answers</a:t>
           </a:r>
         </a:p>
       </dsp:txBody>
       <dsp:txXfrm>
-        <a:off x="1647590" y="1553557"/>
-        <a:ext cx="1375797" cy="917197"/>
+        <a:off x="1987838" y="1460569"/>
+        <a:ext cx="1654760" cy="1103173"/>
       </dsp:txXfrm>
     </dsp:sp>
     <dsp:sp modelId="{EA97EFFC-4523-4543-BAED-EBBF821112DC}">
@@ -1366,8 +1313,8 @@
       </dsp:nvSpPr>
       <dsp:spPr>
         <a:xfrm>
-          <a:off x="3023387" y="1553557"/>
-          <a:ext cx="2292994" cy="917197"/>
+          <a:off x="3642598" y="1460569"/>
+          <a:ext cx="2757933" cy="1103173"/>
         </a:xfrm>
         <a:prstGeom prst="chevron">
           <a:avLst/>
@@ -1408,12 +1355,12 @@
         </a:fontRef>
       </dsp:style>
       <dsp:txBody>
-        <a:bodyPr spcFirstLastPara="0" vert="horz" wrap="square" lIns="52007" tIns="34671" rIns="17336" bIns="34671" numCol="1" spcCol="1270" anchor="ctr" anchorCtr="0">
+        <a:bodyPr spcFirstLastPara="0" vert="horz" wrap="square" lIns="64008" tIns="42672" rIns="21336" bIns="42672" numCol="1" spcCol="1270" anchor="ctr" anchorCtr="0">
           <a:noAutofit/>
         </a:bodyPr>
         <a:lstStyle/>
         <a:p>
-          <a:pPr marL="0" lvl="0" indent="0" algn="ctr" defTabSz="577850">
+          <a:pPr marL="0" lvl="0" indent="0" algn="ctr" defTabSz="711200">
             <a:lnSpc>
               <a:spcPct val="90000"/>
             </a:lnSpc>
@@ -1426,14 +1373,14 @@
             <a:buNone/>
           </a:pPr>
           <a:r>
-            <a:rPr lang="en-US" sz="1300" kern="1200" dirty="0"/>
+            <a:rPr lang="en-US" sz="1600" kern="1200" dirty="0"/>
             <a:t>Twilio gets data on customer</a:t>
           </a:r>
         </a:p>
       </dsp:txBody>
       <dsp:txXfrm>
-        <a:off x="3481986" y="1553557"/>
-        <a:ext cx="1375797" cy="917197"/>
+        <a:off x="4194185" y="1460569"/>
+        <a:ext cx="1654760" cy="1103173"/>
       </dsp:txXfrm>
     </dsp:sp>
     <dsp:sp modelId="{C5F9BE89-3701-4C23-8426-1B32E6D537A5}">
@@ -1443,8 +1390,8 @@
       </dsp:nvSpPr>
       <dsp:spPr>
         <a:xfrm>
-          <a:off x="4857783" y="1553557"/>
-          <a:ext cx="2292994" cy="917197"/>
+          <a:off x="5848945" y="1460569"/>
+          <a:ext cx="2757933" cy="1103173"/>
         </a:xfrm>
         <a:prstGeom prst="chevron">
           <a:avLst/>
@@ -1485,12 +1432,12 @@
         </a:fontRef>
       </dsp:style>
       <dsp:txBody>
-        <a:bodyPr spcFirstLastPara="0" vert="horz" wrap="square" lIns="52007" tIns="34671" rIns="17336" bIns="34671" numCol="1" spcCol="1270" anchor="ctr" anchorCtr="0">
+        <a:bodyPr spcFirstLastPara="0" vert="horz" wrap="square" lIns="64008" tIns="42672" rIns="21336" bIns="42672" numCol="1" spcCol="1270" anchor="ctr" anchorCtr="0">
           <a:noAutofit/>
         </a:bodyPr>
         <a:lstStyle/>
         <a:p>
-          <a:pPr marL="0" lvl="0" indent="0" algn="ctr" defTabSz="577850">
+          <a:pPr marL="0" lvl="0" indent="0" algn="ctr" defTabSz="711200">
             <a:lnSpc>
               <a:spcPct val="90000"/>
             </a:lnSpc>
@@ -1503,25 +1450,25 @@
             <a:buNone/>
           </a:pPr>
           <a:r>
-            <a:rPr lang="en-US" sz="1300" kern="1200" dirty="0"/>
+            <a:rPr lang="en-US" sz="1600" kern="1200" dirty="0"/>
             <a:t>Forwarded to Dialogue Flow</a:t>
           </a:r>
         </a:p>
       </dsp:txBody>
       <dsp:txXfrm>
-        <a:off x="5316382" y="1553557"/>
-        <a:ext cx="1375797" cy="917197"/>
+        <a:off x="6400532" y="1460569"/>
+        <a:ext cx="1654760" cy="1103173"/>
       </dsp:txXfrm>
     </dsp:sp>
-    <dsp:sp modelId="{9E8A0717-680D-42BD-B904-3FC0A9BA9F09}">
+    <dsp:sp modelId="{9D573512-732A-4EA1-B1D0-069DA97D2130}">
       <dsp:nvSpPr>
         <dsp:cNvPr id="0" name=""/>
         <dsp:cNvSpPr/>
       </dsp:nvSpPr>
       <dsp:spPr>
         <a:xfrm>
-          <a:off x="6692179" y="1553557"/>
-          <a:ext cx="2292994" cy="917197"/>
+          <a:off x="8055293" y="1460569"/>
+          <a:ext cx="2757933" cy="1103173"/>
         </a:xfrm>
         <a:prstGeom prst="chevron">
           <a:avLst/>
@@ -1562,12 +1509,12 @@
         </a:fontRef>
       </dsp:style>
       <dsp:txBody>
-        <a:bodyPr spcFirstLastPara="0" vert="horz" wrap="square" lIns="52007" tIns="34671" rIns="17336" bIns="34671" numCol="1" spcCol="1270" anchor="ctr" anchorCtr="0">
+        <a:bodyPr spcFirstLastPara="0" vert="horz" wrap="square" lIns="64008" tIns="42672" rIns="21336" bIns="42672" numCol="1" spcCol="1270" anchor="ctr" anchorCtr="0">
           <a:noAutofit/>
         </a:bodyPr>
         <a:lstStyle/>
         <a:p>
-          <a:pPr marL="0" lvl="0" indent="0" algn="ctr" defTabSz="577850">
+          <a:pPr marL="0" lvl="0" indent="0" algn="ctr" defTabSz="711200">
             <a:lnSpc>
               <a:spcPct val="90000"/>
             </a:lnSpc>
@@ -1580,91 +1527,14 @@
             <a:buNone/>
           </a:pPr>
           <a:r>
-            <a:rPr lang="en-US" sz="1300" kern="1200" dirty="0"/>
-            <a:t>Everything gets passed to Azure processing</a:t>
-          </a:r>
-        </a:p>
-      </dsp:txBody>
-      <dsp:txXfrm>
-        <a:off x="7150778" y="1553557"/>
-        <a:ext cx="1375797" cy="917197"/>
-      </dsp:txXfrm>
-    </dsp:sp>
-    <dsp:sp modelId="{9D573512-732A-4EA1-B1D0-069DA97D2130}">
-      <dsp:nvSpPr>
-        <dsp:cNvPr id="0" name=""/>
-        <dsp:cNvSpPr/>
-      </dsp:nvSpPr>
-      <dsp:spPr>
-        <a:xfrm>
-          <a:off x="8526575" y="1553557"/>
-          <a:ext cx="2292994" cy="917197"/>
-        </a:xfrm>
-        <a:prstGeom prst="chevron">
-          <a:avLst/>
-        </a:prstGeom>
-        <a:solidFill>
-          <a:schemeClr val="accent1">
-            <a:hueOff val="0"/>
-            <a:satOff val="0"/>
-            <a:lumOff val="0"/>
-            <a:alphaOff val="0"/>
-          </a:schemeClr>
-        </a:solidFill>
-        <a:ln w="12700" cap="flat" cmpd="sng" algn="ctr">
-          <a:solidFill>
-            <a:schemeClr val="lt1">
-              <a:hueOff val="0"/>
-              <a:satOff val="0"/>
-              <a:lumOff val="0"/>
-              <a:alphaOff val="0"/>
-            </a:schemeClr>
-          </a:solidFill>
-          <a:prstDash val="solid"/>
-        </a:ln>
-        <a:effectLst/>
-      </dsp:spPr>
-      <dsp:style>
-        <a:lnRef idx="2">
-          <a:scrgbClr r="0" g="0" b="0"/>
-        </a:lnRef>
-        <a:fillRef idx="1">
-          <a:scrgbClr r="0" g="0" b="0"/>
-        </a:fillRef>
-        <a:effectRef idx="0">
-          <a:scrgbClr r="0" g="0" b="0"/>
-        </a:effectRef>
-        <a:fontRef idx="minor">
-          <a:schemeClr val="lt1"/>
-        </a:fontRef>
-      </dsp:style>
-      <dsp:txBody>
-        <a:bodyPr spcFirstLastPara="0" vert="horz" wrap="square" lIns="52007" tIns="34671" rIns="17336" bIns="34671" numCol="1" spcCol="1270" anchor="ctr" anchorCtr="0">
-          <a:noAutofit/>
-        </a:bodyPr>
-        <a:lstStyle/>
-        <a:p>
-          <a:pPr marL="0" lvl="0" indent="0" algn="ctr" defTabSz="577850">
-            <a:lnSpc>
-              <a:spcPct val="90000"/>
-            </a:lnSpc>
-            <a:spcBef>
-              <a:spcPct val="0"/>
-            </a:spcBef>
-            <a:spcAft>
-              <a:spcPct val="35000"/>
-            </a:spcAft>
-            <a:buNone/>
-          </a:pPr>
-          <a:r>
-            <a:rPr lang="en-US" sz="1300" kern="1200" dirty="0"/>
+            <a:rPr lang="en-US" sz="1600" kern="1200" dirty="0"/>
             <a:t>If it’s unfamiliar with customer’s term, it calls nearest store</a:t>
           </a:r>
         </a:p>
       </dsp:txBody>
       <dsp:txXfrm>
-        <a:off x="8985174" y="1553557"/>
-        <a:ext cx="1375797" cy="917197"/>
+        <a:off x="8606880" y="1460569"/>
+        <a:ext cx="1654760" cy="1103173"/>
       </dsp:txXfrm>
     </dsp:sp>
   </dsp:spTree>
@@ -8626,7 +8496,7 @@
           <p:cNvPr id="2" name="Title 1">
             <a:extLst>
               <a:ext uri="{FF2B5EF4-FFF2-40B4-BE49-F238E27FC236}">
-                <a16:creationId xmlns:a16="http://schemas.microsoft.com/office/drawing/2014/main" id="{C13D231D-0EA7-4D15-A237-B2D716CAC70B}"/>
+                <a16:creationId xmlns:a16="http://schemas.microsoft.com/office/drawing/2014/main" id="{68833D1F-9285-4DBA-8A2D-FC996BF231DD}"/>
               </a:ext>
             </a:extLst>
           </p:cNvPr>
@@ -8644,7 +8514,7 @@
           <a:p>
             <a:r>
               <a:rPr lang="en-US" dirty="0"/>
-              <a:t>The problem</a:t>
+              <a:t>The solution</a:t>
             </a:r>
           </a:p>
         </p:txBody>
@@ -8654,7 +8524,7 @@
           <p:cNvPr id="3" name="Content Placeholder 2">
             <a:extLst>
               <a:ext uri="{FF2B5EF4-FFF2-40B4-BE49-F238E27FC236}">
-                <a16:creationId xmlns:a16="http://schemas.microsoft.com/office/drawing/2014/main" id="{E7B19815-12E5-4D63-9E77-FC5E5888AFDA}"/>
+                <a16:creationId xmlns:a16="http://schemas.microsoft.com/office/drawing/2014/main" id="{8819B53D-08E8-4EE1-90A5-EB6F0F294C9D}"/>
               </a:ext>
             </a:extLst>
           </p:cNvPr>
@@ -8672,43 +8542,21 @@
           <a:p>
             <a:r>
               <a:rPr lang="en-US" dirty="0"/>
-              <a:t>When I switched to </a:t>
-            </a:r>
-            <a:r>
-              <a:rPr lang="en-US" dirty="0" err="1"/>
-              <a:t>T-mobile</a:t>
-            </a:r>
+              <a:t>We created a chat bot that is capable of answering all of the customer’s questions based off their location</a:t>
+            </a:r>
+          </a:p>
+          <a:p>
             <a:r>
               <a:rPr lang="en-US" dirty="0"/>
-              <a:t>, I had to go and get a new </a:t>
-            </a:r>
-            <a:r>
-              <a:rPr lang="en-US" dirty="0" err="1"/>
-              <a:t>simcard</a:t>
-            </a:r>
-            <a:endParaRPr lang="en-US" dirty="0"/>
-          </a:p>
-          <a:p>
-            <a:r>
-              <a:rPr lang="en-US" dirty="0"/>
-              <a:t>The employee was very busy on the phone answering a customer’s stocking questions</a:t>
-            </a:r>
-          </a:p>
-          <a:p>
-            <a:r>
-              <a:rPr lang="en-US" dirty="0"/>
-              <a:t>It took me 45 minutes to do a 5 minute process because of this phone call</a:t>
-            </a:r>
-          </a:p>
-          <a:p>
-            <a:endParaRPr lang="en-US" dirty="0"/>
+              <a:t>This solution allows store employees to maintain focus on in-store customers rather than answering phone calls when unnecessary</a:t>
+            </a:r>
           </a:p>
         </p:txBody>
       </p:sp>
     </p:spTree>
     <p:extLst>
       <p:ext uri="{BB962C8B-B14F-4D97-AF65-F5344CB8AC3E}">
-        <p14:creationId xmlns:p14="http://schemas.microsoft.com/office/powerpoint/2010/main" val="1018753012"/>
+        <p14:creationId xmlns:p14="http://schemas.microsoft.com/office/powerpoint/2010/main" val="2645822141"/>
       </p:ext>
     </p:extLst>
   </p:cSld>
@@ -8740,7 +8588,7 @@
           <p:cNvPr id="2" name="Title 1">
             <a:extLst>
               <a:ext uri="{FF2B5EF4-FFF2-40B4-BE49-F238E27FC236}">
-                <a16:creationId xmlns:a16="http://schemas.microsoft.com/office/drawing/2014/main" id="{68833D1F-9285-4DBA-8A2D-FC996BF231DD}"/>
+                <a16:creationId xmlns:a16="http://schemas.microsoft.com/office/drawing/2014/main" id="{D57CC69D-C58E-401B-A077-935770848F60}"/>
               </a:ext>
             </a:extLst>
           </p:cNvPr>
@@ -8758,49 +8606,46 @@
           <a:p>
             <a:r>
               <a:rPr lang="en-US" dirty="0"/>
-              <a:t>The solution</a:t>
-            </a:r>
-          </a:p>
-        </p:txBody>
-      </p:sp>
-      <p:sp>
-        <p:nvSpPr>
-          <p:cNvPr id="3" name="Content Placeholder 2">
+              <a:t>The backend</a:t>
+            </a:r>
+          </a:p>
+        </p:txBody>
+      </p:sp>
+      <p:graphicFrame>
+        <p:nvGraphicFramePr>
+          <p:cNvPr id="6" name="Content Placeholder 5">
             <a:extLst>
               <a:ext uri="{FF2B5EF4-FFF2-40B4-BE49-F238E27FC236}">
-                <a16:creationId xmlns:a16="http://schemas.microsoft.com/office/drawing/2014/main" id="{8819B53D-08E8-4EE1-90A5-EB6F0F294C9D}"/>
+                <a16:creationId xmlns:a16="http://schemas.microsoft.com/office/drawing/2014/main" id="{C18C5F62-4BE8-4F58-85E3-B782DF73BF54}"/>
               </a:ext>
             </a:extLst>
           </p:cNvPr>
-          <p:cNvSpPr>
-            <a:spLocks noGrp="1"/>
-          </p:cNvSpPr>
+          <p:cNvGraphicFramePr>
+            <a:graphicFrameLocks noGrp="1"/>
+          </p:cNvGraphicFramePr>
           <p:nvPr>
             <p:ph idx="1"/>
-          </p:nvPr>
-        </p:nvSpPr>
-        <p:spPr/>
-        <p:txBody>
-          <a:bodyPr/>
-          <a:lstStyle/>
-          <a:p>
-            <a:r>
-              <a:rPr lang="en-US" dirty="0"/>
-              <a:t>We created a chat bot that is capable of answering all of the customer’s questions based off their location</a:t>
-            </a:r>
-          </a:p>
-          <a:p>
-            <a:r>
-              <a:rPr lang="en-US" dirty="0"/>
-              <a:t>This solution allows store employees to maintain focus on in-store customers rather than answering phone calls when unnecessary</a:t>
-            </a:r>
-          </a:p>
-        </p:txBody>
-      </p:sp>
+            <p:extLst>
+              <p:ext uri="{D42A27DB-BD31-4B8C-83A1-F6EECF244321}">
+                <p14:modId xmlns:p14="http://schemas.microsoft.com/office/powerpoint/2010/main" val="3139318271"/>
+              </p:ext>
+            </p:extLst>
+          </p:nvPr>
+        </p:nvGraphicFramePr>
+        <p:xfrm>
+          <a:off x="685800" y="2193925"/>
+          <a:ext cx="10820400" cy="4024313"/>
+        </p:xfrm>
+        <a:graphic>
+          <a:graphicData uri="http://schemas.openxmlformats.org/drawingml/2006/diagram">
+            <dgm:relIds xmlns:dgm="http://schemas.openxmlformats.org/drawingml/2006/diagram" xmlns:r="http://schemas.openxmlformats.org/officeDocument/2006/relationships" r:dm="rId2" r:lo="rId3" r:qs="rId4" r:cs="rId5"/>
+          </a:graphicData>
+        </a:graphic>
+      </p:graphicFrame>
     </p:spTree>
     <p:extLst>
       <p:ext uri="{BB962C8B-B14F-4D97-AF65-F5344CB8AC3E}">
-        <p14:creationId xmlns:p14="http://schemas.microsoft.com/office/powerpoint/2010/main" val="2645822141"/>
+        <p14:creationId xmlns:p14="http://schemas.microsoft.com/office/powerpoint/2010/main" val="2120202288"/>
       </p:ext>
     </p:extLst>
   </p:cSld>
@@ -8832,7 +8677,7 @@
           <p:cNvPr id="2" name="Title 1">
             <a:extLst>
               <a:ext uri="{FF2B5EF4-FFF2-40B4-BE49-F238E27FC236}">
-                <a16:creationId xmlns:a16="http://schemas.microsoft.com/office/drawing/2014/main" id="{D57CC69D-C58E-401B-A077-935770848F60}"/>
+                <a16:creationId xmlns:a16="http://schemas.microsoft.com/office/drawing/2014/main" id="{BE1A8609-3BAF-4882-B9B4-36FFA8789F05}"/>
               </a:ext>
             </a:extLst>
           </p:cNvPr>
@@ -8850,46 +8695,84 @@
           <a:p>
             <a:r>
               <a:rPr lang="en-US" dirty="0"/>
-              <a:t>The backend</a:t>
-            </a:r>
-          </a:p>
-        </p:txBody>
-      </p:sp>
-      <p:graphicFrame>
-        <p:nvGraphicFramePr>
-          <p:cNvPr id="6" name="Content Placeholder 5">
+              <a:t>The Data</a:t>
+            </a:r>
+          </a:p>
+        </p:txBody>
+      </p:sp>
+      <p:sp>
+        <p:nvSpPr>
+          <p:cNvPr id="3" name="Content Placeholder 2">
             <a:extLst>
               <a:ext uri="{FF2B5EF4-FFF2-40B4-BE49-F238E27FC236}">
-                <a16:creationId xmlns:a16="http://schemas.microsoft.com/office/drawing/2014/main" id="{C18C5F62-4BE8-4F58-85E3-B782DF73BF54}"/>
+                <a16:creationId xmlns:a16="http://schemas.microsoft.com/office/drawing/2014/main" id="{BA30F5B3-4562-434B-96B7-4A70233D93C5}"/>
               </a:ext>
             </a:extLst>
           </p:cNvPr>
-          <p:cNvGraphicFramePr>
-            <a:graphicFrameLocks noGrp="1"/>
-          </p:cNvGraphicFramePr>
+          <p:cNvSpPr>
+            <a:spLocks noGrp="1"/>
+          </p:cNvSpPr>
           <p:nvPr>
             <p:ph idx="1"/>
-            <p:extLst>
-              <p:ext uri="{D42A27DB-BD31-4B8C-83A1-F6EECF244321}">
-                <p14:modId xmlns:p14="http://schemas.microsoft.com/office/powerpoint/2010/main" val="1114813009"/>
-              </p:ext>
-            </p:extLst>
-          </p:nvPr>
-        </p:nvGraphicFramePr>
-        <p:xfrm>
-          <a:off x="685800" y="2193925"/>
-          <a:ext cx="10820400" cy="4024313"/>
-        </p:xfrm>
-        <a:graphic>
-          <a:graphicData uri="http://schemas.openxmlformats.org/drawingml/2006/diagram">
-            <dgm:relIds xmlns:dgm="http://schemas.openxmlformats.org/drawingml/2006/diagram" xmlns:r="http://schemas.openxmlformats.org/officeDocument/2006/relationships" r:dm="rId2" r:lo="rId3" r:qs="rId4" r:cs="rId5"/>
-          </a:graphicData>
-        </a:graphic>
-      </p:graphicFrame>
+          </p:nvPr>
+        </p:nvSpPr>
+        <p:spPr>
+          <a:xfrm>
+            <a:off x="685800" y="2194560"/>
+            <a:ext cx="10820400" cy="4024125"/>
+          </a:xfrm>
+        </p:spPr>
+        <p:txBody>
+          <a:bodyPr/>
+          <a:lstStyle/>
+          <a:p>
+            <a:r>
+              <a:rPr lang="en-US" dirty="0"/>
+              <a:t>We went to </a:t>
+            </a:r>
+            <a:r>
+              <a:rPr lang="en-US" dirty="0" err="1"/>
+              <a:t>T-mobile</a:t>
+            </a:r>
+            <a:r>
+              <a:rPr lang="en-US" dirty="0"/>
+              <a:t> stores around Atlanta asking them some basic data about their call data.</a:t>
+            </a:r>
+          </a:p>
+          <a:p>
+            <a:pPr lvl="1"/>
+            <a:r>
+              <a:rPr lang="en-US" dirty="0"/>
+              <a:t>The stores we went to said:</a:t>
+            </a:r>
+          </a:p>
+          <a:p>
+            <a:pPr lvl="2"/>
+            <a:r>
+              <a:rPr lang="en-US" dirty="0"/>
+              <a:t>5-30 people call daily</a:t>
+            </a:r>
+          </a:p>
+          <a:p>
+            <a:pPr lvl="2"/>
+            <a:r>
+              <a:rPr lang="en-US" dirty="0"/>
+              <a:t>They usually call about Inventory, Bill Payment, and deals in store</a:t>
+            </a:r>
+          </a:p>
+          <a:p>
+            <a:pPr lvl="2"/>
+            <a:r>
+              <a:rPr lang="en-US" dirty="0"/>
+              <a:t>The calls last from 5 seconds to ~10 minutes depending on the requests asked</a:t>
+            </a:r>
+          </a:p>
+        </p:txBody>
+      </p:sp>
     </p:spTree>
     <p:extLst>
       <p:ext uri="{BB962C8B-B14F-4D97-AF65-F5344CB8AC3E}">
-        <p14:creationId xmlns:p14="http://schemas.microsoft.com/office/powerpoint/2010/main" val="2120202288"/>
+        <p14:creationId xmlns:p14="http://schemas.microsoft.com/office/powerpoint/2010/main" val="1473288992"/>
       </p:ext>
     </p:extLst>
   </p:cSld>
@@ -8921,133 +8804,6 @@
           <p:cNvPr id="2" name="Title 1">
             <a:extLst>
               <a:ext uri="{FF2B5EF4-FFF2-40B4-BE49-F238E27FC236}">
-                <a16:creationId xmlns:a16="http://schemas.microsoft.com/office/drawing/2014/main" id="{BE1A8609-3BAF-4882-B9B4-36FFA8789F05}"/>
-              </a:ext>
-            </a:extLst>
-          </p:cNvPr>
-          <p:cNvSpPr>
-            <a:spLocks noGrp="1"/>
-          </p:cNvSpPr>
-          <p:nvPr>
-            <p:ph type="title"/>
-          </p:nvPr>
-        </p:nvSpPr>
-        <p:spPr/>
-        <p:txBody>
-          <a:bodyPr/>
-          <a:lstStyle/>
-          <a:p>
-            <a:r>
-              <a:rPr lang="en-US" dirty="0"/>
-              <a:t>The Data</a:t>
-            </a:r>
-          </a:p>
-        </p:txBody>
-      </p:sp>
-      <p:sp>
-        <p:nvSpPr>
-          <p:cNvPr id="3" name="Content Placeholder 2">
-            <a:extLst>
-              <a:ext uri="{FF2B5EF4-FFF2-40B4-BE49-F238E27FC236}">
-                <a16:creationId xmlns:a16="http://schemas.microsoft.com/office/drawing/2014/main" id="{BA30F5B3-4562-434B-96B7-4A70233D93C5}"/>
-              </a:ext>
-            </a:extLst>
-          </p:cNvPr>
-          <p:cNvSpPr>
-            <a:spLocks noGrp="1"/>
-          </p:cNvSpPr>
-          <p:nvPr>
-            <p:ph idx="1"/>
-          </p:nvPr>
-        </p:nvSpPr>
-        <p:spPr>
-          <a:xfrm>
-            <a:off x="685800" y="2194560"/>
-            <a:ext cx="10820400" cy="4024125"/>
-          </a:xfrm>
-        </p:spPr>
-        <p:txBody>
-          <a:bodyPr/>
-          <a:lstStyle/>
-          <a:p>
-            <a:r>
-              <a:rPr lang="en-US" dirty="0"/>
-              <a:t>We went to </a:t>
-            </a:r>
-            <a:r>
-              <a:rPr lang="en-US" dirty="0" err="1"/>
-              <a:t>T-mobile</a:t>
-            </a:r>
-            <a:r>
-              <a:rPr lang="en-US" dirty="0"/>
-              <a:t> stores around Atlanta asking them some basic data about their call data.</a:t>
-            </a:r>
-          </a:p>
-          <a:p>
-            <a:pPr lvl="1"/>
-            <a:r>
-              <a:rPr lang="en-US" dirty="0"/>
-              <a:t>The stores we went to said:</a:t>
-            </a:r>
-          </a:p>
-          <a:p>
-            <a:pPr lvl="2"/>
-            <a:r>
-              <a:rPr lang="en-US" dirty="0"/>
-              <a:t>5-30 people call daily</a:t>
-            </a:r>
-          </a:p>
-          <a:p>
-            <a:pPr lvl="2"/>
-            <a:r>
-              <a:rPr lang="en-US" dirty="0"/>
-              <a:t>They usually call about Inventory, Bill Payment, and deals in store</a:t>
-            </a:r>
-          </a:p>
-          <a:p>
-            <a:pPr lvl="2"/>
-            <a:r>
-              <a:rPr lang="en-US" dirty="0"/>
-              <a:t>The calls last from 5 seconds to ~10 minutes depending on the requests asked</a:t>
-            </a:r>
-          </a:p>
-        </p:txBody>
-      </p:sp>
-    </p:spTree>
-    <p:extLst>
-      <p:ext uri="{BB962C8B-B14F-4D97-AF65-F5344CB8AC3E}">
-        <p14:creationId xmlns:p14="http://schemas.microsoft.com/office/powerpoint/2010/main" val="1473288992"/>
-      </p:ext>
-    </p:extLst>
-  </p:cSld>
-  <p:clrMapOvr>
-    <a:masterClrMapping/>
-  </p:clrMapOvr>
-</p:sld>
-</file>
-
-<file path=ppt/slides/slide6.xml><?xml version="1.0" encoding="utf-8"?>
-<p:sld xmlns:a="http://schemas.openxmlformats.org/drawingml/2006/main" xmlns:r="http://schemas.openxmlformats.org/officeDocument/2006/relationships" xmlns:p="http://schemas.openxmlformats.org/presentationml/2006/main">
-  <p:cSld>
-    <p:spTree>
-      <p:nvGrpSpPr>
-        <p:cNvPr id="1" name=""/>
-        <p:cNvGrpSpPr/>
-        <p:nvPr/>
-      </p:nvGrpSpPr>
-      <p:grpSpPr>
-        <a:xfrm>
-          <a:off x="0" y="0"/>
-          <a:ext cx="0" cy="0"/>
-          <a:chOff x="0" y="0"/>
-          <a:chExt cx="0" cy="0"/>
-        </a:xfrm>
-      </p:grpSpPr>
-      <p:sp>
-        <p:nvSpPr>
-          <p:cNvPr id="2" name="Title 1">
-            <a:extLst>
-              <a:ext uri="{FF2B5EF4-FFF2-40B4-BE49-F238E27FC236}">
                 <a16:creationId xmlns:a16="http://schemas.microsoft.com/office/drawing/2014/main" id="{A8752706-0FB4-455B-B201-3131DDD38ED1}"/>
               </a:ext>
             </a:extLst>
@@ -9124,6 +8880,21 @@
               <a:rPr lang="en-US" dirty="0"/>
               <a:t>What time do you guys close tomorrow?</a:t>
             </a:r>
+          </a:p>
+          <a:p>
+            <a:pPr lvl="2"/>
+            <a:endParaRPr lang="en-US" dirty="0"/>
+          </a:p>
+          <a:p>
+            <a:r>
+              <a:rPr lang="en-US" dirty="0"/>
+              <a:t>In </a:t>
+            </a:r>
+            <a:r>
+              <a:rPr lang="en-US"/>
+              <a:t>many situations it took as many as 3 minutes to get this info.</a:t>
+            </a:r>
+            <a:endParaRPr lang="en-US" dirty="0"/>
           </a:p>
           <a:p>
             <a:endParaRPr lang="en-US" dirty="0"/>
@@ -9174,7 +8945,7 @@
 </p:sld>
 </file>
 
-<file path=ppt/slides/slide7.xml><?xml version="1.0" encoding="utf-8"?>
+<file path=ppt/slides/slide6.xml><?xml version="1.0" encoding="utf-8"?>
 <p:sld xmlns:a="http://schemas.openxmlformats.org/drawingml/2006/main" xmlns:r="http://schemas.openxmlformats.org/officeDocument/2006/relationships" xmlns:p="http://schemas.openxmlformats.org/presentationml/2006/main">
   <p:cSld>
     <p:spTree>
